--- a/Apresentação.pptx
+++ b/Apresentação.pptx
@@ -5,41 +5,40 @@
     <p:sldMasterId id="2147483706" r:id="rId1"/>
   </p:sldMasterIdLst>
   <p:notesMasterIdLst>
-    <p:notesMasterId r:id="rId17"/>
+    <p:notesMasterId r:id="rId16"/>
   </p:notesMasterIdLst>
   <p:sldIdLst>
     <p:sldId id="256" r:id="rId2"/>
-    <p:sldId id="257" r:id="rId3"/>
-    <p:sldId id="258" r:id="rId4"/>
-    <p:sldId id="264" r:id="rId5"/>
-    <p:sldId id="265" r:id="rId6"/>
-    <p:sldId id="268" r:id="rId7"/>
-    <p:sldId id="342" r:id="rId8"/>
-    <p:sldId id="270" r:id="rId9"/>
-    <p:sldId id="343" r:id="rId10"/>
-    <p:sldId id="346" r:id="rId11"/>
-    <p:sldId id="272" r:id="rId12"/>
-    <p:sldId id="273" r:id="rId13"/>
-    <p:sldId id="345" r:id="rId14"/>
-    <p:sldId id="344" r:id="rId15"/>
-    <p:sldId id="290" r:id="rId16"/>
+    <p:sldId id="258" r:id="rId3"/>
+    <p:sldId id="264" r:id="rId4"/>
+    <p:sldId id="265" r:id="rId5"/>
+    <p:sldId id="268" r:id="rId6"/>
+    <p:sldId id="342" r:id="rId7"/>
+    <p:sldId id="270" r:id="rId8"/>
+    <p:sldId id="343" r:id="rId9"/>
+    <p:sldId id="346" r:id="rId10"/>
+    <p:sldId id="272" r:id="rId11"/>
+    <p:sldId id="273" r:id="rId12"/>
+    <p:sldId id="345" r:id="rId13"/>
+    <p:sldId id="344" r:id="rId14"/>
+    <p:sldId id="290" r:id="rId15"/>
   </p:sldIdLst>
   <p:sldSz cx="9144000" cy="5143500" type="screen16x9"/>
   <p:notesSz cx="6858000" cy="9144000"/>
   <p:embeddedFontLst>
     <p:embeddedFont>
-      <p:font typeface="Alfa Slab One" pitchFamily="2" charset="77"/>
-      <p:regular r:id="rId18"/>
-      <p:bold r:id="rId19"/>
-      <p:italic r:id="rId20"/>
-      <p:boldItalic r:id="rId21"/>
+      <p:font typeface="Alfa Slab One" panose="02000000000000000000" pitchFamily="2" charset="0"/>
+      <p:regular r:id="rId17"/>
+      <p:bold r:id="rId18"/>
+      <p:italic r:id="rId19"/>
+      <p:boldItalic r:id="rId20"/>
     </p:embeddedFont>
     <p:embeddedFont>
       <p:font typeface="Roboto" panose="02000000000000000000" pitchFamily="2" charset="0"/>
-      <p:regular r:id="rId22"/>
-      <p:bold r:id="rId23"/>
-      <p:italic r:id="rId24"/>
-      <p:boldItalic r:id="rId25"/>
+      <p:regular r:id="rId21"/>
+      <p:bold r:id="rId22"/>
+      <p:italic r:id="rId23"/>
+      <p:boldItalic r:id="rId24"/>
     </p:embeddedFont>
   </p:embeddedFontLst>
   <p:defaultTextStyle>
@@ -829,7 +828,7 @@
   <p:cSld>
     <p:spTree>
       <p:nvGrpSpPr>
-        <p:cNvPr id="1" name="Shape 813"/>
+        <p:cNvPr id="1" name="Shape 892"/>
         <p:cNvGrpSpPr/>
         <p:nvPr/>
       </p:nvGrpSpPr>
@@ -843,7 +842,7 @@
       </p:grpSpPr>
       <p:sp>
         <p:nvSpPr>
-          <p:cNvPr id="814" name="Google Shape;814;gdd526701a4_0_256:notes"/>
+          <p:cNvPr id="893" name="Google Shape;893;g157691e1d1b_0_112:notes"/>
           <p:cNvSpPr>
             <a:spLocks noGrp="1" noRot="1" noChangeAspect="1"/>
           </p:cNvSpPr>
@@ -884,7 +883,7 @@
       </p:sp>
       <p:sp>
         <p:nvSpPr>
-          <p:cNvPr id="815" name="Google Shape;815;gdd526701a4_0_256:notes"/>
+          <p:cNvPr id="894" name="Google Shape;894;g157691e1d1b_0_112:notes"/>
           <p:cNvSpPr txBox="1">
             <a:spLocks noGrp="1"/>
           </p:cNvSpPr>
@@ -921,11 +920,6 @@
         </p:txBody>
       </p:sp>
     </p:spTree>
-    <p:extLst>
-      <p:ext uri="{BB962C8B-B14F-4D97-AF65-F5344CB8AC3E}">
-        <p14:creationId xmlns:p14="http://schemas.microsoft.com/office/powerpoint/2010/main" val="1348547586"/>
-      </p:ext>
-    </p:extLst>
   </p:cSld>
   <p:clrMapOvr>
     <a:masterClrMapping/>
@@ -934,6 +928,110 @@
 </file>
 
 <file path=ppt/notesSlides/notesSlide11.xml><?xml version="1.0" encoding="utf-8"?>
+<p:notes xmlns:a="http://schemas.openxmlformats.org/drawingml/2006/main" xmlns:r="http://schemas.openxmlformats.org/officeDocument/2006/relationships" xmlns:p="http://schemas.openxmlformats.org/presentationml/2006/main" showMasterSp="0" showMasterPhAnim="0">
+  <p:cSld>
+    <p:spTree>
+      <p:nvGrpSpPr>
+        <p:cNvPr id="1" name="Shape 908"/>
+        <p:cNvGrpSpPr/>
+        <p:nvPr/>
+      </p:nvGrpSpPr>
+      <p:grpSpPr>
+        <a:xfrm>
+          <a:off x="0" y="0"/>
+          <a:ext cx="0" cy="0"/>
+          <a:chOff x="0" y="0"/>
+          <a:chExt cx="0" cy="0"/>
+        </a:xfrm>
+      </p:grpSpPr>
+      <p:sp>
+        <p:nvSpPr>
+          <p:cNvPr id="909" name="Google Shape;909;gb6a0365c28_0_31884:notes"/>
+          <p:cNvSpPr>
+            <a:spLocks noGrp="1" noRot="1" noChangeAspect="1"/>
+          </p:cNvSpPr>
+          <p:nvPr>
+            <p:ph type="sldImg" idx="2"/>
+          </p:nvPr>
+        </p:nvSpPr>
+        <p:spPr>
+          <a:xfrm>
+            <a:off x="381000" y="685800"/>
+            <a:ext cx="6096000" cy="3429000"/>
+          </a:xfrm>
+          <a:custGeom>
+            <a:avLst/>
+            <a:gdLst/>
+            <a:ahLst/>
+            <a:cxnLst/>
+            <a:rect l="l" t="t" r="r" b="b"/>
+            <a:pathLst>
+              <a:path w="120000" h="120000" extrusionOk="0">
+                <a:moveTo>
+                  <a:pt x="0" y="0"/>
+                </a:moveTo>
+                <a:lnTo>
+                  <a:pt x="120000" y="0"/>
+                </a:lnTo>
+                <a:lnTo>
+                  <a:pt x="120000" y="120000"/>
+                </a:lnTo>
+                <a:lnTo>
+                  <a:pt x="0" y="120000"/>
+                </a:lnTo>
+                <a:close/>
+              </a:path>
+            </a:pathLst>
+          </a:custGeom>
+        </p:spPr>
+      </p:sp>
+      <p:sp>
+        <p:nvSpPr>
+          <p:cNvPr id="910" name="Google Shape;910;gb6a0365c28_0_31884:notes"/>
+          <p:cNvSpPr txBox="1">
+            <a:spLocks noGrp="1"/>
+          </p:cNvSpPr>
+          <p:nvPr>
+            <p:ph type="body" idx="1"/>
+          </p:nvPr>
+        </p:nvSpPr>
+        <p:spPr>
+          <a:xfrm>
+            <a:off x="685800" y="4343400"/>
+            <a:ext cx="5486400" cy="4114800"/>
+          </a:xfrm>
+          <a:prstGeom prst="rect">
+            <a:avLst/>
+          </a:prstGeom>
+        </p:spPr>
+        <p:txBody>
+          <a:bodyPr spcFirstLastPara="1" wrap="square" lIns="91425" tIns="91425" rIns="91425" bIns="91425" anchor="t" anchorCtr="0">
+            <a:noAutofit/>
+          </a:bodyPr>
+          <a:lstStyle/>
+          <a:p>
+            <a:pPr marL="0" lvl="0" indent="0" algn="l" rtl="0">
+              <a:spcBef>
+                <a:spcPts val="0"/>
+              </a:spcBef>
+              <a:spcAft>
+                <a:spcPts val="0"/>
+              </a:spcAft>
+              <a:buNone/>
+            </a:pPr>
+            <a:endParaRPr/>
+          </a:p>
+        </p:txBody>
+      </p:sp>
+    </p:spTree>
+  </p:cSld>
+  <p:clrMapOvr>
+    <a:masterClrMapping/>
+  </p:clrMapOvr>
+</p:notes>
+</file>
+
+<file path=ppt/notesSlides/notesSlide12.xml><?xml version="1.0" encoding="utf-8"?>
 <p:notes xmlns:a="http://schemas.openxmlformats.org/drawingml/2006/main" xmlns:r="http://schemas.openxmlformats.org/officeDocument/2006/relationships" xmlns:p="http://schemas.openxmlformats.org/presentationml/2006/main" showMasterSp="0" showMasterPhAnim="0">
   <p:cSld>
     <p:spTree>
@@ -1030,6 +1128,11 @@
         </p:txBody>
       </p:sp>
     </p:spTree>
+    <p:extLst>
+      <p:ext uri="{BB962C8B-B14F-4D97-AF65-F5344CB8AC3E}">
+        <p14:creationId xmlns:p14="http://schemas.microsoft.com/office/powerpoint/2010/main" val="4046824343"/>
+      </p:ext>
+    </p:extLst>
   </p:cSld>
   <p:clrMapOvr>
     <a:masterClrMapping/>
@@ -1037,7 +1140,7 @@
 </p:notes>
 </file>
 
-<file path=ppt/notesSlides/notesSlide12.xml><?xml version="1.0" encoding="utf-8"?>
+<file path=ppt/notesSlides/notesSlide13.xml><?xml version="1.0" encoding="utf-8"?>
 <p:notes xmlns:a="http://schemas.openxmlformats.org/drawingml/2006/main" xmlns:r="http://schemas.openxmlformats.org/officeDocument/2006/relationships" xmlns:p="http://schemas.openxmlformats.org/presentationml/2006/main" showMasterSp="0" showMasterPhAnim="0">
   <p:cSld>
     <p:spTree>
@@ -1134,219 +1237,6 @@
         </p:txBody>
       </p:sp>
     </p:spTree>
-  </p:cSld>
-  <p:clrMapOvr>
-    <a:masterClrMapping/>
-  </p:clrMapOvr>
-</p:notes>
-</file>
-
-<file path=ppt/notesSlides/notesSlide13.xml><?xml version="1.0" encoding="utf-8"?>
-<p:notes xmlns:a="http://schemas.openxmlformats.org/drawingml/2006/main" xmlns:r="http://schemas.openxmlformats.org/officeDocument/2006/relationships" xmlns:p="http://schemas.openxmlformats.org/presentationml/2006/main" showMasterSp="0" showMasterPhAnim="0">
-  <p:cSld>
-    <p:spTree>
-      <p:nvGrpSpPr>
-        <p:cNvPr id="1" name="Shape 892"/>
-        <p:cNvGrpSpPr/>
-        <p:nvPr/>
-      </p:nvGrpSpPr>
-      <p:grpSpPr>
-        <a:xfrm>
-          <a:off x="0" y="0"/>
-          <a:ext cx="0" cy="0"/>
-          <a:chOff x="0" y="0"/>
-          <a:chExt cx="0" cy="0"/>
-        </a:xfrm>
-      </p:grpSpPr>
-      <p:sp>
-        <p:nvSpPr>
-          <p:cNvPr id="893" name="Google Shape;893;g157691e1d1b_0_112:notes"/>
-          <p:cNvSpPr>
-            <a:spLocks noGrp="1" noRot="1" noChangeAspect="1"/>
-          </p:cNvSpPr>
-          <p:nvPr>
-            <p:ph type="sldImg" idx="2"/>
-          </p:nvPr>
-        </p:nvSpPr>
-        <p:spPr>
-          <a:xfrm>
-            <a:off x="381000" y="685800"/>
-            <a:ext cx="6096000" cy="3429000"/>
-          </a:xfrm>
-          <a:custGeom>
-            <a:avLst/>
-            <a:gdLst/>
-            <a:ahLst/>
-            <a:cxnLst/>
-            <a:rect l="l" t="t" r="r" b="b"/>
-            <a:pathLst>
-              <a:path w="120000" h="120000" extrusionOk="0">
-                <a:moveTo>
-                  <a:pt x="0" y="0"/>
-                </a:moveTo>
-                <a:lnTo>
-                  <a:pt x="120000" y="0"/>
-                </a:lnTo>
-                <a:lnTo>
-                  <a:pt x="120000" y="120000"/>
-                </a:lnTo>
-                <a:lnTo>
-                  <a:pt x="0" y="120000"/>
-                </a:lnTo>
-                <a:close/>
-              </a:path>
-            </a:pathLst>
-          </a:custGeom>
-        </p:spPr>
-      </p:sp>
-      <p:sp>
-        <p:nvSpPr>
-          <p:cNvPr id="894" name="Google Shape;894;g157691e1d1b_0_112:notes"/>
-          <p:cNvSpPr txBox="1">
-            <a:spLocks noGrp="1"/>
-          </p:cNvSpPr>
-          <p:nvPr>
-            <p:ph type="body" idx="1"/>
-          </p:nvPr>
-        </p:nvSpPr>
-        <p:spPr>
-          <a:xfrm>
-            <a:off x="685800" y="4343400"/>
-            <a:ext cx="5486400" cy="4114800"/>
-          </a:xfrm>
-          <a:prstGeom prst="rect">
-            <a:avLst/>
-          </a:prstGeom>
-        </p:spPr>
-        <p:txBody>
-          <a:bodyPr spcFirstLastPara="1" wrap="square" lIns="91425" tIns="91425" rIns="91425" bIns="91425" anchor="t" anchorCtr="0">
-            <a:noAutofit/>
-          </a:bodyPr>
-          <a:lstStyle/>
-          <a:p>
-            <a:pPr marL="0" lvl="0" indent="0" algn="l" rtl="0">
-              <a:spcBef>
-                <a:spcPts val="0"/>
-              </a:spcBef>
-              <a:spcAft>
-                <a:spcPts val="0"/>
-              </a:spcAft>
-              <a:buNone/>
-            </a:pPr>
-            <a:endParaRPr/>
-          </a:p>
-        </p:txBody>
-      </p:sp>
-    </p:spTree>
-    <p:extLst>
-      <p:ext uri="{BB962C8B-B14F-4D97-AF65-F5344CB8AC3E}">
-        <p14:creationId xmlns:p14="http://schemas.microsoft.com/office/powerpoint/2010/main" val="4046824343"/>
-      </p:ext>
-    </p:extLst>
-  </p:cSld>
-  <p:clrMapOvr>
-    <a:masterClrMapping/>
-  </p:clrMapOvr>
-</p:notes>
-</file>
-
-<file path=ppt/notesSlides/notesSlide14.xml><?xml version="1.0" encoding="utf-8"?>
-<p:notes xmlns:a="http://schemas.openxmlformats.org/drawingml/2006/main" xmlns:r="http://schemas.openxmlformats.org/officeDocument/2006/relationships" xmlns:p="http://schemas.openxmlformats.org/presentationml/2006/main" showMasterSp="0" showMasterPhAnim="0">
-  <p:cSld>
-    <p:spTree>
-      <p:nvGrpSpPr>
-        <p:cNvPr id="1" name="Shape 908"/>
-        <p:cNvGrpSpPr/>
-        <p:nvPr/>
-      </p:nvGrpSpPr>
-      <p:grpSpPr>
-        <a:xfrm>
-          <a:off x="0" y="0"/>
-          <a:ext cx="0" cy="0"/>
-          <a:chOff x="0" y="0"/>
-          <a:chExt cx="0" cy="0"/>
-        </a:xfrm>
-      </p:grpSpPr>
-      <p:sp>
-        <p:nvSpPr>
-          <p:cNvPr id="909" name="Google Shape;909;gb6a0365c28_0_31884:notes"/>
-          <p:cNvSpPr>
-            <a:spLocks noGrp="1" noRot="1" noChangeAspect="1"/>
-          </p:cNvSpPr>
-          <p:nvPr>
-            <p:ph type="sldImg" idx="2"/>
-          </p:nvPr>
-        </p:nvSpPr>
-        <p:spPr>
-          <a:xfrm>
-            <a:off x="381000" y="685800"/>
-            <a:ext cx="6096000" cy="3429000"/>
-          </a:xfrm>
-          <a:custGeom>
-            <a:avLst/>
-            <a:gdLst/>
-            <a:ahLst/>
-            <a:cxnLst/>
-            <a:rect l="l" t="t" r="r" b="b"/>
-            <a:pathLst>
-              <a:path w="120000" h="120000" extrusionOk="0">
-                <a:moveTo>
-                  <a:pt x="0" y="0"/>
-                </a:moveTo>
-                <a:lnTo>
-                  <a:pt x="120000" y="0"/>
-                </a:lnTo>
-                <a:lnTo>
-                  <a:pt x="120000" y="120000"/>
-                </a:lnTo>
-                <a:lnTo>
-                  <a:pt x="0" y="120000"/>
-                </a:lnTo>
-                <a:close/>
-              </a:path>
-            </a:pathLst>
-          </a:custGeom>
-        </p:spPr>
-      </p:sp>
-      <p:sp>
-        <p:nvSpPr>
-          <p:cNvPr id="910" name="Google Shape;910;gb6a0365c28_0_31884:notes"/>
-          <p:cNvSpPr txBox="1">
-            <a:spLocks noGrp="1"/>
-          </p:cNvSpPr>
-          <p:nvPr>
-            <p:ph type="body" idx="1"/>
-          </p:nvPr>
-        </p:nvSpPr>
-        <p:spPr>
-          <a:xfrm>
-            <a:off x="685800" y="4343400"/>
-            <a:ext cx="5486400" cy="4114800"/>
-          </a:xfrm>
-          <a:prstGeom prst="rect">
-            <a:avLst/>
-          </a:prstGeom>
-        </p:spPr>
-        <p:txBody>
-          <a:bodyPr spcFirstLastPara="1" wrap="square" lIns="91425" tIns="91425" rIns="91425" bIns="91425" anchor="t" anchorCtr="0">
-            <a:noAutofit/>
-          </a:bodyPr>
-          <a:lstStyle/>
-          <a:p>
-            <a:pPr marL="0" lvl="0" indent="0" algn="l" rtl="0">
-              <a:spcBef>
-                <a:spcPts val="0"/>
-              </a:spcBef>
-              <a:spcAft>
-                <a:spcPts val="0"/>
-              </a:spcAft>
-              <a:buNone/>
-            </a:pPr>
-            <a:endParaRPr/>
-          </a:p>
-        </p:txBody>
-      </p:sp>
-    </p:spTree>
     <p:extLst>
       <p:ext uri="{BB962C8B-B14F-4D97-AF65-F5344CB8AC3E}">
         <p14:creationId xmlns:p14="http://schemas.microsoft.com/office/powerpoint/2010/main" val="375646079"/>
@@ -1359,7 +1249,7 @@
 </p:notes>
 </file>
 
-<file path=ppt/notesSlides/notesSlide15.xml><?xml version="1.0" encoding="utf-8"?>
+<file path=ppt/notesSlides/notesSlide14.xml><?xml version="1.0" encoding="utf-8"?>
 <p:notes xmlns:a="http://schemas.openxmlformats.org/drawingml/2006/main" xmlns:r="http://schemas.openxmlformats.org/officeDocument/2006/relationships" xmlns:p="http://schemas.openxmlformats.org/presentationml/2006/main" showMasterSp="0" showMasterPhAnim="0">
   <p:cSld>
     <p:spTree>
@@ -1468,110 +1358,6 @@
   <p:cSld>
     <p:spTree>
       <p:nvGrpSpPr>
-        <p:cNvPr id="1" name="Shape 476"/>
-        <p:cNvGrpSpPr/>
-        <p:nvPr/>
-      </p:nvGrpSpPr>
-      <p:grpSpPr>
-        <a:xfrm>
-          <a:off x="0" y="0"/>
-          <a:ext cx="0" cy="0"/>
-          <a:chOff x="0" y="0"/>
-          <a:chExt cx="0" cy="0"/>
-        </a:xfrm>
-      </p:grpSpPr>
-      <p:sp>
-        <p:nvSpPr>
-          <p:cNvPr id="477" name="Google Shape;477;gdd36727b3a_0_32:notes"/>
-          <p:cNvSpPr>
-            <a:spLocks noGrp="1" noRot="1" noChangeAspect="1"/>
-          </p:cNvSpPr>
-          <p:nvPr>
-            <p:ph type="sldImg" idx="2"/>
-          </p:nvPr>
-        </p:nvSpPr>
-        <p:spPr>
-          <a:xfrm>
-            <a:off x="381000" y="685800"/>
-            <a:ext cx="6096000" cy="3429000"/>
-          </a:xfrm>
-          <a:custGeom>
-            <a:avLst/>
-            <a:gdLst/>
-            <a:ahLst/>
-            <a:cxnLst/>
-            <a:rect l="l" t="t" r="r" b="b"/>
-            <a:pathLst>
-              <a:path w="120000" h="120000" extrusionOk="0">
-                <a:moveTo>
-                  <a:pt x="0" y="0"/>
-                </a:moveTo>
-                <a:lnTo>
-                  <a:pt x="120000" y="0"/>
-                </a:lnTo>
-                <a:lnTo>
-                  <a:pt x="120000" y="120000"/>
-                </a:lnTo>
-                <a:lnTo>
-                  <a:pt x="0" y="120000"/>
-                </a:lnTo>
-                <a:close/>
-              </a:path>
-            </a:pathLst>
-          </a:custGeom>
-        </p:spPr>
-      </p:sp>
-      <p:sp>
-        <p:nvSpPr>
-          <p:cNvPr id="478" name="Google Shape;478;gdd36727b3a_0_32:notes"/>
-          <p:cNvSpPr txBox="1">
-            <a:spLocks noGrp="1"/>
-          </p:cNvSpPr>
-          <p:nvPr>
-            <p:ph type="body" idx="1"/>
-          </p:nvPr>
-        </p:nvSpPr>
-        <p:spPr>
-          <a:xfrm>
-            <a:off x="685800" y="4343400"/>
-            <a:ext cx="5486400" cy="4114800"/>
-          </a:xfrm>
-          <a:prstGeom prst="rect">
-            <a:avLst/>
-          </a:prstGeom>
-        </p:spPr>
-        <p:txBody>
-          <a:bodyPr spcFirstLastPara="1" wrap="square" lIns="91425" tIns="91425" rIns="91425" bIns="91425" anchor="t" anchorCtr="0">
-            <a:noAutofit/>
-          </a:bodyPr>
-          <a:lstStyle/>
-          <a:p>
-            <a:pPr marL="0" lvl="0" indent="0" algn="l" rtl="0">
-              <a:spcBef>
-                <a:spcPts val="0"/>
-              </a:spcBef>
-              <a:spcAft>
-                <a:spcPts val="0"/>
-              </a:spcAft>
-              <a:buNone/>
-            </a:pPr>
-            <a:endParaRPr/>
-          </a:p>
-        </p:txBody>
-      </p:sp>
-    </p:spTree>
-  </p:cSld>
-  <p:clrMapOvr>
-    <a:masterClrMapping/>
-  </p:clrMapOvr>
-</p:notes>
-</file>
-
-<file path=ppt/notesSlides/notesSlide3.xml><?xml version="1.0" encoding="utf-8"?>
-<p:notes xmlns:a="http://schemas.openxmlformats.org/drawingml/2006/main" xmlns:r="http://schemas.openxmlformats.org/officeDocument/2006/relationships" xmlns:p="http://schemas.openxmlformats.org/presentationml/2006/main" showMasterSp="0" showMasterPhAnim="0">
-  <p:cSld>
-    <p:spTree>
-      <p:nvGrpSpPr>
         <p:cNvPr id="1" name="Shape 485"/>
         <p:cNvGrpSpPr/>
         <p:nvPr/>
@@ -1671,7 +1457,7 @@
 </p:notes>
 </file>
 
-<file path=ppt/notesSlides/notesSlide4.xml><?xml version="1.0" encoding="utf-8"?>
+<file path=ppt/notesSlides/notesSlide3.xml><?xml version="1.0" encoding="utf-8"?>
 <p:notes xmlns:a="http://schemas.openxmlformats.org/drawingml/2006/main" xmlns:r="http://schemas.openxmlformats.org/officeDocument/2006/relationships" xmlns:p="http://schemas.openxmlformats.org/presentationml/2006/main" showMasterSp="0" showMasterPhAnim="0">
   <p:cSld>
     <p:spTree>
@@ -1775,7 +1561,7 @@
 </p:notes>
 </file>
 
-<file path=ppt/notesSlides/notesSlide5.xml><?xml version="1.0" encoding="utf-8"?>
+<file path=ppt/notesSlides/notesSlide4.xml><?xml version="1.0" encoding="utf-8"?>
 <p:notes xmlns:a="http://schemas.openxmlformats.org/drawingml/2006/main" xmlns:r="http://schemas.openxmlformats.org/officeDocument/2006/relationships" xmlns:p="http://schemas.openxmlformats.org/presentationml/2006/main" showMasterSp="0" showMasterPhAnim="0">
   <p:cSld>
     <p:spTree>
@@ -1879,7 +1665,7 @@
 </p:notes>
 </file>
 
-<file path=ppt/notesSlides/notesSlide6.xml><?xml version="1.0" encoding="utf-8"?>
+<file path=ppt/notesSlides/notesSlide5.xml><?xml version="1.0" encoding="utf-8"?>
 <p:notes xmlns:a="http://schemas.openxmlformats.org/drawingml/2006/main" xmlns:r="http://schemas.openxmlformats.org/officeDocument/2006/relationships" xmlns:p="http://schemas.openxmlformats.org/presentationml/2006/main" showMasterSp="0" showMasterPhAnim="0">
   <p:cSld>
     <p:spTree>
@@ -1983,7 +1769,7 @@
 </p:notes>
 </file>
 
-<file path=ppt/notesSlides/notesSlide7.xml><?xml version="1.0" encoding="utf-8"?>
+<file path=ppt/notesSlides/notesSlide6.xml><?xml version="1.0" encoding="utf-8"?>
 <p:notes xmlns:a="http://schemas.openxmlformats.org/drawingml/2006/main" xmlns:r="http://schemas.openxmlformats.org/officeDocument/2006/relationships" xmlns:p="http://schemas.openxmlformats.org/presentationml/2006/main" showMasterSp="0" showMasterPhAnim="0">
   <p:cSld>
     <p:spTree>
@@ -2085,6 +1871,110 @@
         <p14:creationId xmlns:p14="http://schemas.microsoft.com/office/powerpoint/2010/main" val="2538926211"/>
       </p:ext>
     </p:extLst>
+  </p:cSld>
+  <p:clrMapOvr>
+    <a:masterClrMapping/>
+  </p:clrMapOvr>
+</p:notes>
+</file>
+
+<file path=ppt/notesSlides/notesSlide7.xml><?xml version="1.0" encoding="utf-8"?>
+<p:notes xmlns:a="http://schemas.openxmlformats.org/drawingml/2006/main" xmlns:r="http://schemas.openxmlformats.org/officeDocument/2006/relationships" xmlns:p="http://schemas.openxmlformats.org/presentationml/2006/main" showMasterSp="0" showMasterPhAnim="0">
+  <p:cSld>
+    <p:spTree>
+      <p:nvGrpSpPr>
+        <p:cNvPr id="1" name="Shape 813"/>
+        <p:cNvGrpSpPr/>
+        <p:nvPr/>
+      </p:nvGrpSpPr>
+      <p:grpSpPr>
+        <a:xfrm>
+          <a:off x="0" y="0"/>
+          <a:ext cx="0" cy="0"/>
+          <a:chOff x="0" y="0"/>
+          <a:chExt cx="0" cy="0"/>
+        </a:xfrm>
+      </p:grpSpPr>
+      <p:sp>
+        <p:nvSpPr>
+          <p:cNvPr id="814" name="Google Shape;814;gdd526701a4_0_256:notes"/>
+          <p:cNvSpPr>
+            <a:spLocks noGrp="1" noRot="1" noChangeAspect="1"/>
+          </p:cNvSpPr>
+          <p:nvPr>
+            <p:ph type="sldImg" idx="2"/>
+          </p:nvPr>
+        </p:nvSpPr>
+        <p:spPr>
+          <a:xfrm>
+            <a:off x="381000" y="685800"/>
+            <a:ext cx="6096000" cy="3429000"/>
+          </a:xfrm>
+          <a:custGeom>
+            <a:avLst/>
+            <a:gdLst/>
+            <a:ahLst/>
+            <a:cxnLst/>
+            <a:rect l="l" t="t" r="r" b="b"/>
+            <a:pathLst>
+              <a:path w="120000" h="120000" extrusionOk="0">
+                <a:moveTo>
+                  <a:pt x="0" y="0"/>
+                </a:moveTo>
+                <a:lnTo>
+                  <a:pt x="120000" y="0"/>
+                </a:lnTo>
+                <a:lnTo>
+                  <a:pt x="120000" y="120000"/>
+                </a:lnTo>
+                <a:lnTo>
+                  <a:pt x="0" y="120000"/>
+                </a:lnTo>
+                <a:close/>
+              </a:path>
+            </a:pathLst>
+          </a:custGeom>
+        </p:spPr>
+      </p:sp>
+      <p:sp>
+        <p:nvSpPr>
+          <p:cNvPr id="815" name="Google Shape;815;gdd526701a4_0_256:notes"/>
+          <p:cNvSpPr txBox="1">
+            <a:spLocks noGrp="1"/>
+          </p:cNvSpPr>
+          <p:nvPr>
+            <p:ph type="body" idx="1"/>
+          </p:nvPr>
+        </p:nvSpPr>
+        <p:spPr>
+          <a:xfrm>
+            <a:off x="685800" y="4343400"/>
+            <a:ext cx="5486400" cy="4114800"/>
+          </a:xfrm>
+          <a:prstGeom prst="rect">
+            <a:avLst/>
+          </a:prstGeom>
+        </p:spPr>
+        <p:txBody>
+          <a:bodyPr spcFirstLastPara="1" wrap="square" lIns="91425" tIns="91425" rIns="91425" bIns="91425" anchor="t" anchorCtr="0">
+            <a:noAutofit/>
+          </a:bodyPr>
+          <a:lstStyle/>
+          <a:p>
+            <a:pPr marL="0" lvl="0" indent="0" algn="l" rtl="0">
+              <a:spcBef>
+                <a:spcPts val="0"/>
+              </a:spcBef>
+              <a:spcAft>
+                <a:spcPts val="0"/>
+              </a:spcAft>
+              <a:buNone/>
+            </a:pPr>
+            <a:endParaRPr/>
+          </a:p>
+        </p:txBody>
+      </p:sp>
+    </p:spTree>
   </p:cSld>
   <p:clrMapOvr>
     <a:masterClrMapping/>
@@ -2189,6 +2079,11 @@
         </p:txBody>
       </p:sp>
     </p:spTree>
+    <p:extLst>
+      <p:ext uri="{BB962C8B-B14F-4D97-AF65-F5344CB8AC3E}">
+        <p14:creationId xmlns:p14="http://schemas.microsoft.com/office/powerpoint/2010/main" val="1772066965"/>
+      </p:ext>
+    </p:extLst>
   </p:cSld>
   <p:clrMapOvr>
     <a:masterClrMapping/>
@@ -2295,7 +2190,7 @@
     </p:spTree>
     <p:extLst>
       <p:ext uri="{BB962C8B-B14F-4D97-AF65-F5344CB8AC3E}">
-        <p14:creationId xmlns:p14="http://schemas.microsoft.com/office/powerpoint/2010/main" val="1772066965"/>
+        <p14:creationId xmlns:p14="http://schemas.microsoft.com/office/powerpoint/2010/main" val="1348547586"/>
       </p:ext>
     </p:extLst>
   </p:cSld>
@@ -2962,632 +2857,6 @@
 </file>
 
 <file path=ppt/slideLayouts/slideLayout10.xml><?xml version="1.0" encoding="utf-8"?>
-<p:sldLayout xmlns:a="http://schemas.openxmlformats.org/drawingml/2006/main" xmlns:r="http://schemas.openxmlformats.org/officeDocument/2006/relationships" xmlns:p="http://schemas.openxmlformats.org/presentationml/2006/main" matchingName="Section header 2">
-  <p:cSld name="CUSTOM_4">
-    <p:bg>
-      <p:bgPr>
-        <a:solidFill>
-          <a:schemeClr val="dk1"/>
-        </a:solidFill>
-        <a:effectLst/>
-      </p:bgPr>
-    </p:bg>
-    <p:spTree>
-      <p:nvGrpSpPr>
-        <p:cNvPr id="1" name="Shape 109"/>
-        <p:cNvGrpSpPr/>
-        <p:nvPr/>
-      </p:nvGrpSpPr>
-      <p:grpSpPr>
-        <a:xfrm>
-          <a:off x="0" y="0"/>
-          <a:ext cx="0" cy="0"/>
-          <a:chOff x="0" y="0"/>
-          <a:chExt cx="0" cy="0"/>
-        </a:xfrm>
-      </p:grpSpPr>
-      <p:sp>
-        <p:nvSpPr>
-          <p:cNvPr id="110" name="Google Shape;110;p17"/>
-          <p:cNvSpPr/>
-          <p:nvPr/>
-        </p:nvSpPr>
-        <p:spPr>
-          <a:xfrm>
-            <a:off x="713225" y="539500"/>
-            <a:ext cx="7717500" cy="4064400"/>
-          </a:xfrm>
-          <a:prstGeom prst="rect">
-            <a:avLst/>
-          </a:prstGeom>
-          <a:noFill/>
-          <a:ln w="38100" cap="flat" cmpd="sng">
-            <a:solidFill>
-              <a:schemeClr val="accent1"/>
-            </a:solidFill>
-            <a:prstDash val="solid"/>
-            <a:round/>
-            <a:headEnd type="none" w="sm" len="sm"/>
-            <a:tailEnd type="none" w="sm" len="sm"/>
-          </a:ln>
-        </p:spPr>
-        <p:txBody>
-          <a:bodyPr spcFirstLastPara="1" wrap="square" lIns="91425" tIns="91425" rIns="91425" bIns="91425" anchor="ctr" anchorCtr="0">
-            <a:noAutofit/>
-          </a:bodyPr>
-          <a:lstStyle/>
-          <a:p>
-            <a:pPr marL="0" lvl="0" indent="0" algn="l" rtl="0">
-              <a:spcBef>
-                <a:spcPts val="0"/>
-              </a:spcBef>
-              <a:spcAft>
-                <a:spcPts val="0"/>
-              </a:spcAft>
-              <a:buNone/>
-            </a:pPr>
-            <a:endParaRPr/>
-          </a:p>
-        </p:txBody>
-      </p:sp>
-      <p:sp>
-        <p:nvSpPr>
-          <p:cNvPr id="111" name="Google Shape;111;p17"/>
-          <p:cNvSpPr txBox="1">
-            <a:spLocks noGrp="1"/>
-          </p:cNvSpPr>
-          <p:nvPr>
-            <p:ph type="title"/>
-          </p:nvPr>
-        </p:nvSpPr>
-        <p:spPr>
-          <a:xfrm>
-            <a:off x="1714350" y="2559925"/>
-            <a:ext cx="5715300" cy="1068300"/>
-          </a:xfrm>
-          <a:prstGeom prst="rect">
-            <a:avLst/>
-          </a:prstGeom>
-        </p:spPr>
-        <p:txBody>
-          <a:bodyPr spcFirstLastPara="1" wrap="square" lIns="91425" tIns="91425" rIns="91425" bIns="91425" anchor="ctr" anchorCtr="0">
-            <a:noAutofit/>
-          </a:bodyPr>
-          <a:lstStyle>
-            <a:lvl1pPr lvl="0" algn="ctr" rtl="0">
-              <a:spcBef>
-                <a:spcPts val="0"/>
-              </a:spcBef>
-              <a:spcAft>
-                <a:spcPts val="0"/>
-              </a:spcAft>
-              <a:buClr>
-                <a:schemeClr val="lt1"/>
-              </a:buClr>
-              <a:buSzPts val="4800"/>
-              <a:buNone/>
-              <a:defRPr sz="4800">
-                <a:solidFill>
-                  <a:schemeClr val="lt1"/>
-                </a:solidFill>
-              </a:defRPr>
-            </a:lvl1pPr>
-            <a:lvl2pPr lvl="1" rtl="0">
-              <a:spcBef>
-                <a:spcPts val="0"/>
-              </a:spcBef>
-              <a:spcAft>
-                <a:spcPts val="0"/>
-              </a:spcAft>
-              <a:buSzPts val="4800"/>
-              <a:buNone/>
-              <a:defRPr sz="4800"/>
-            </a:lvl2pPr>
-            <a:lvl3pPr lvl="2" rtl="0">
-              <a:spcBef>
-                <a:spcPts val="0"/>
-              </a:spcBef>
-              <a:spcAft>
-                <a:spcPts val="0"/>
-              </a:spcAft>
-              <a:buSzPts val="4800"/>
-              <a:buNone/>
-              <a:defRPr sz="4800"/>
-            </a:lvl3pPr>
-            <a:lvl4pPr lvl="3" rtl="0">
-              <a:spcBef>
-                <a:spcPts val="0"/>
-              </a:spcBef>
-              <a:spcAft>
-                <a:spcPts val="0"/>
-              </a:spcAft>
-              <a:buSzPts val="4800"/>
-              <a:buNone/>
-              <a:defRPr sz="4800"/>
-            </a:lvl4pPr>
-            <a:lvl5pPr lvl="4" rtl="0">
-              <a:spcBef>
-                <a:spcPts val="0"/>
-              </a:spcBef>
-              <a:spcAft>
-                <a:spcPts val="0"/>
-              </a:spcAft>
-              <a:buSzPts val="4800"/>
-              <a:buNone/>
-              <a:defRPr sz="4800"/>
-            </a:lvl5pPr>
-            <a:lvl6pPr lvl="5" rtl="0">
-              <a:spcBef>
-                <a:spcPts val="0"/>
-              </a:spcBef>
-              <a:spcAft>
-                <a:spcPts val="0"/>
-              </a:spcAft>
-              <a:buSzPts val="4800"/>
-              <a:buNone/>
-              <a:defRPr sz="4800"/>
-            </a:lvl6pPr>
-            <a:lvl7pPr lvl="6" rtl="0">
-              <a:spcBef>
-                <a:spcPts val="0"/>
-              </a:spcBef>
-              <a:spcAft>
-                <a:spcPts val="0"/>
-              </a:spcAft>
-              <a:buSzPts val="4800"/>
-              <a:buNone/>
-              <a:defRPr sz="4800"/>
-            </a:lvl7pPr>
-            <a:lvl8pPr lvl="7" rtl="0">
-              <a:spcBef>
-                <a:spcPts val="0"/>
-              </a:spcBef>
-              <a:spcAft>
-                <a:spcPts val="0"/>
-              </a:spcAft>
-              <a:buSzPts val="4800"/>
-              <a:buNone/>
-              <a:defRPr sz="4800"/>
-            </a:lvl8pPr>
-            <a:lvl9pPr lvl="8" rtl="0">
-              <a:spcBef>
-                <a:spcPts val="0"/>
-              </a:spcBef>
-              <a:spcAft>
-                <a:spcPts val="0"/>
-              </a:spcAft>
-              <a:buSzPts val="4800"/>
-              <a:buNone/>
-              <a:defRPr sz="4800"/>
-            </a:lvl9pPr>
-          </a:lstStyle>
-          <a:p>
-            <a:endParaRPr/>
-          </a:p>
-        </p:txBody>
-      </p:sp>
-      <p:sp>
-        <p:nvSpPr>
-          <p:cNvPr id="112" name="Google Shape;112;p17"/>
-          <p:cNvSpPr txBox="1">
-            <a:spLocks noGrp="1"/>
-          </p:cNvSpPr>
-          <p:nvPr>
-            <p:ph type="title" idx="2" hasCustomPrompt="1"/>
-          </p:nvPr>
-        </p:nvSpPr>
-        <p:spPr>
-          <a:xfrm>
-            <a:off x="3496800" y="894025"/>
-            <a:ext cx="2150400" cy="1665900"/>
-          </a:xfrm>
-          <a:prstGeom prst="rect">
-            <a:avLst/>
-          </a:prstGeom>
-        </p:spPr>
-        <p:txBody>
-          <a:bodyPr spcFirstLastPara="1" wrap="square" lIns="91425" tIns="91425" rIns="91425" bIns="91425" anchor="ctr" anchorCtr="0">
-            <a:noAutofit/>
-          </a:bodyPr>
-          <a:lstStyle>
-            <a:lvl1pPr lvl="0" algn="ctr" rtl="0">
-              <a:spcBef>
-                <a:spcPts val="0"/>
-              </a:spcBef>
-              <a:spcAft>
-                <a:spcPts val="0"/>
-              </a:spcAft>
-              <a:buClr>
-                <a:schemeClr val="lt1"/>
-              </a:buClr>
-              <a:buSzPts val="4800"/>
-              <a:buNone/>
-              <a:defRPr sz="7200">
-                <a:solidFill>
-                  <a:schemeClr val="lt1"/>
-                </a:solidFill>
-              </a:defRPr>
-            </a:lvl1pPr>
-            <a:lvl2pPr lvl="1" rtl="0">
-              <a:spcBef>
-                <a:spcPts val="0"/>
-              </a:spcBef>
-              <a:spcAft>
-                <a:spcPts val="0"/>
-              </a:spcAft>
-              <a:buClr>
-                <a:schemeClr val="lt1"/>
-              </a:buClr>
-              <a:buSzPts val="4800"/>
-              <a:buNone/>
-              <a:defRPr sz="4800">
-                <a:solidFill>
-                  <a:schemeClr val="lt1"/>
-                </a:solidFill>
-              </a:defRPr>
-            </a:lvl2pPr>
-            <a:lvl3pPr lvl="2" rtl="0">
-              <a:spcBef>
-                <a:spcPts val="0"/>
-              </a:spcBef>
-              <a:spcAft>
-                <a:spcPts val="0"/>
-              </a:spcAft>
-              <a:buClr>
-                <a:schemeClr val="lt1"/>
-              </a:buClr>
-              <a:buSzPts val="4800"/>
-              <a:buNone/>
-              <a:defRPr sz="4800">
-                <a:solidFill>
-                  <a:schemeClr val="lt1"/>
-                </a:solidFill>
-              </a:defRPr>
-            </a:lvl3pPr>
-            <a:lvl4pPr lvl="3" rtl="0">
-              <a:spcBef>
-                <a:spcPts val="0"/>
-              </a:spcBef>
-              <a:spcAft>
-                <a:spcPts val="0"/>
-              </a:spcAft>
-              <a:buClr>
-                <a:schemeClr val="lt1"/>
-              </a:buClr>
-              <a:buSzPts val="4800"/>
-              <a:buNone/>
-              <a:defRPr sz="4800">
-                <a:solidFill>
-                  <a:schemeClr val="lt1"/>
-                </a:solidFill>
-              </a:defRPr>
-            </a:lvl4pPr>
-            <a:lvl5pPr lvl="4" rtl="0">
-              <a:spcBef>
-                <a:spcPts val="0"/>
-              </a:spcBef>
-              <a:spcAft>
-                <a:spcPts val="0"/>
-              </a:spcAft>
-              <a:buClr>
-                <a:schemeClr val="lt1"/>
-              </a:buClr>
-              <a:buSzPts val="4800"/>
-              <a:buNone/>
-              <a:defRPr sz="4800">
-                <a:solidFill>
-                  <a:schemeClr val="lt1"/>
-                </a:solidFill>
-              </a:defRPr>
-            </a:lvl5pPr>
-            <a:lvl6pPr lvl="5" rtl="0">
-              <a:spcBef>
-                <a:spcPts val="0"/>
-              </a:spcBef>
-              <a:spcAft>
-                <a:spcPts val="0"/>
-              </a:spcAft>
-              <a:buClr>
-                <a:schemeClr val="lt1"/>
-              </a:buClr>
-              <a:buSzPts val="4800"/>
-              <a:buNone/>
-              <a:defRPr sz="4800">
-                <a:solidFill>
-                  <a:schemeClr val="lt1"/>
-                </a:solidFill>
-              </a:defRPr>
-            </a:lvl6pPr>
-            <a:lvl7pPr lvl="6" rtl="0">
-              <a:spcBef>
-                <a:spcPts val="0"/>
-              </a:spcBef>
-              <a:spcAft>
-                <a:spcPts val="0"/>
-              </a:spcAft>
-              <a:buClr>
-                <a:schemeClr val="lt1"/>
-              </a:buClr>
-              <a:buSzPts val="4800"/>
-              <a:buNone/>
-              <a:defRPr sz="4800">
-                <a:solidFill>
-                  <a:schemeClr val="lt1"/>
-                </a:solidFill>
-              </a:defRPr>
-            </a:lvl7pPr>
-            <a:lvl8pPr lvl="7" rtl="0">
-              <a:spcBef>
-                <a:spcPts val="0"/>
-              </a:spcBef>
-              <a:spcAft>
-                <a:spcPts val="0"/>
-              </a:spcAft>
-              <a:buClr>
-                <a:schemeClr val="lt1"/>
-              </a:buClr>
-              <a:buSzPts val="4800"/>
-              <a:buNone/>
-              <a:defRPr sz="4800">
-                <a:solidFill>
-                  <a:schemeClr val="lt1"/>
-                </a:solidFill>
-              </a:defRPr>
-            </a:lvl8pPr>
-            <a:lvl9pPr lvl="8" rtl="0">
-              <a:spcBef>
-                <a:spcPts val="0"/>
-              </a:spcBef>
-              <a:spcAft>
-                <a:spcPts val="0"/>
-              </a:spcAft>
-              <a:buClr>
-                <a:schemeClr val="lt1"/>
-              </a:buClr>
-              <a:buSzPts val="4800"/>
-              <a:buNone/>
-              <a:defRPr sz="4800">
-                <a:solidFill>
-                  <a:schemeClr val="lt1"/>
-                </a:solidFill>
-              </a:defRPr>
-            </a:lvl9pPr>
-          </a:lstStyle>
-          <a:p>
-            <a:r>
-              <a:t>xx%</a:t>
-            </a:r>
-          </a:p>
-        </p:txBody>
-      </p:sp>
-      <p:sp>
-        <p:nvSpPr>
-          <p:cNvPr id="113" name="Google Shape;113;p17"/>
-          <p:cNvSpPr txBox="1">
-            <a:spLocks noGrp="1"/>
-          </p:cNvSpPr>
-          <p:nvPr>
-            <p:ph type="subTitle" idx="1"/>
-          </p:nvPr>
-        </p:nvSpPr>
-        <p:spPr>
-          <a:xfrm>
-            <a:off x="1896450" y="3802475"/>
-            <a:ext cx="5351100" cy="447000"/>
-          </a:xfrm>
-          <a:prstGeom prst="rect">
-            <a:avLst/>
-          </a:prstGeom>
-        </p:spPr>
-        <p:txBody>
-          <a:bodyPr spcFirstLastPara="1" wrap="square" lIns="91425" tIns="91425" rIns="91425" bIns="91425" anchor="ctr" anchorCtr="0">
-            <a:noAutofit/>
-          </a:bodyPr>
-          <a:lstStyle>
-            <a:lvl1pPr lvl="0" algn="ctr" rtl="0">
-              <a:lnSpc>
-                <a:spcPct val="100000"/>
-              </a:lnSpc>
-              <a:spcBef>
-                <a:spcPts val="0"/>
-              </a:spcBef>
-              <a:spcAft>
-                <a:spcPts val="0"/>
-              </a:spcAft>
-              <a:buClr>
-                <a:schemeClr val="lt1"/>
-              </a:buClr>
-              <a:buSzPts val="1800"/>
-              <a:buNone/>
-              <a:defRPr>
-                <a:solidFill>
-                  <a:schemeClr val="lt1"/>
-                </a:solidFill>
-              </a:defRPr>
-            </a:lvl1pPr>
-            <a:lvl2pPr lvl="1" rtl="0">
-              <a:lnSpc>
-                <a:spcPct val="100000"/>
-              </a:lnSpc>
-              <a:spcBef>
-                <a:spcPts val="0"/>
-              </a:spcBef>
-              <a:spcAft>
-                <a:spcPts val="0"/>
-              </a:spcAft>
-              <a:buClr>
-                <a:schemeClr val="lt1"/>
-              </a:buClr>
-              <a:buSzPts val="2800"/>
-              <a:buNone/>
-              <a:defRPr sz="2800">
-                <a:solidFill>
-                  <a:schemeClr val="lt1"/>
-                </a:solidFill>
-              </a:defRPr>
-            </a:lvl2pPr>
-            <a:lvl3pPr lvl="2" rtl="0">
-              <a:lnSpc>
-                <a:spcPct val="100000"/>
-              </a:lnSpc>
-              <a:spcBef>
-                <a:spcPts val="0"/>
-              </a:spcBef>
-              <a:spcAft>
-                <a:spcPts val="0"/>
-              </a:spcAft>
-              <a:buClr>
-                <a:schemeClr val="lt1"/>
-              </a:buClr>
-              <a:buSzPts val="2800"/>
-              <a:buNone/>
-              <a:defRPr sz="2800">
-                <a:solidFill>
-                  <a:schemeClr val="lt1"/>
-                </a:solidFill>
-              </a:defRPr>
-            </a:lvl3pPr>
-            <a:lvl4pPr lvl="3" rtl="0">
-              <a:lnSpc>
-                <a:spcPct val="100000"/>
-              </a:lnSpc>
-              <a:spcBef>
-                <a:spcPts val="0"/>
-              </a:spcBef>
-              <a:spcAft>
-                <a:spcPts val="0"/>
-              </a:spcAft>
-              <a:buClr>
-                <a:schemeClr val="lt1"/>
-              </a:buClr>
-              <a:buSzPts val="2800"/>
-              <a:buNone/>
-              <a:defRPr sz="2800">
-                <a:solidFill>
-                  <a:schemeClr val="lt1"/>
-                </a:solidFill>
-              </a:defRPr>
-            </a:lvl4pPr>
-            <a:lvl5pPr lvl="4" rtl="0">
-              <a:lnSpc>
-                <a:spcPct val="100000"/>
-              </a:lnSpc>
-              <a:spcBef>
-                <a:spcPts val="0"/>
-              </a:spcBef>
-              <a:spcAft>
-                <a:spcPts val="0"/>
-              </a:spcAft>
-              <a:buClr>
-                <a:schemeClr val="lt1"/>
-              </a:buClr>
-              <a:buSzPts val="2800"/>
-              <a:buNone/>
-              <a:defRPr sz="2800">
-                <a:solidFill>
-                  <a:schemeClr val="lt1"/>
-                </a:solidFill>
-              </a:defRPr>
-            </a:lvl5pPr>
-            <a:lvl6pPr lvl="5" rtl="0">
-              <a:lnSpc>
-                <a:spcPct val="100000"/>
-              </a:lnSpc>
-              <a:spcBef>
-                <a:spcPts val="0"/>
-              </a:spcBef>
-              <a:spcAft>
-                <a:spcPts val="0"/>
-              </a:spcAft>
-              <a:buClr>
-                <a:schemeClr val="lt1"/>
-              </a:buClr>
-              <a:buSzPts val="2800"/>
-              <a:buNone/>
-              <a:defRPr sz="2800">
-                <a:solidFill>
-                  <a:schemeClr val="lt1"/>
-                </a:solidFill>
-              </a:defRPr>
-            </a:lvl6pPr>
-            <a:lvl7pPr lvl="6" rtl="0">
-              <a:lnSpc>
-                <a:spcPct val="100000"/>
-              </a:lnSpc>
-              <a:spcBef>
-                <a:spcPts val="0"/>
-              </a:spcBef>
-              <a:spcAft>
-                <a:spcPts val="0"/>
-              </a:spcAft>
-              <a:buClr>
-                <a:schemeClr val="lt1"/>
-              </a:buClr>
-              <a:buSzPts val="2800"/>
-              <a:buNone/>
-              <a:defRPr sz="2800">
-                <a:solidFill>
-                  <a:schemeClr val="lt1"/>
-                </a:solidFill>
-              </a:defRPr>
-            </a:lvl7pPr>
-            <a:lvl8pPr lvl="7" rtl="0">
-              <a:lnSpc>
-                <a:spcPct val="100000"/>
-              </a:lnSpc>
-              <a:spcBef>
-                <a:spcPts val="0"/>
-              </a:spcBef>
-              <a:spcAft>
-                <a:spcPts val="0"/>
-              </a:spcAft>
-              <a:buClr>
-                <a:schemeClr val="lt1"/>
-              </a:buClr>
-              <a:buSzPts val="2800"/>
-              <a:buNone/>
-              <a:defRPr sz="2800">
-                <a:solidFill>
-                  <a:schemeClr val="lt1"/>
-                </a:solidFill>
-              </a:defRPr>
-            </a:lvl8pPr>
-            <a:lvl9pPr lvl="8" rtl="0">
-              <a:lnSpc>
-                <a:spcPct val="100000"/>
-              </a:lnSpc>
-              <a:spcBef>
-                <a:spcPts val="0"/>
-              </a:spcBef>
-              <a:spcAft>
-                <a:spcPts val="0"/>
-              </a:spcAft>
-              <a:buClr>
-                <a:schemeClr val="lt1"/>
-              </a:buClr>
-              <a:buSzPts val="2800"/>
-              <a:buNone/>
-              <a:defRPr sz="2800">
-                <a:solidFill>
-                  <a:schemeClr val="lt1"/>
-                </a:solidFill>
-              </a:defRPr>
-            </a:lvl9pPr>
-          </a:lstStyle>
-          <a:p>
-            <a:endParaRPr/>
-          </a:p>
-        </p:txBody>
-      </p:sp>
-    </p:spTree>
-  </p:cSld>
-  <p:clrMapOvr>
-    <a:masterClrMapping/>
-  </p:clrMapOvr>
-</p:sldLayout>
-</file>
-
-<file path=ppt/slideLayouts/slideLayout11.xml><?xml version="1.0" encoding="utf-8"?>
 <p:sldLayout xmlns:a="http://schemas.openxmlformats.org/drawingml/2006/main" xmlns:r="http://schemas.openxmlformats.org/officeDocument/2006/relationships" xmlns:p="http://schemas.openxmlformats.org/presentationml/2006/main" matchingName="Title and three columns 3">
   <p:cSld name="BLANK_1_1_1_1_1_1_1_1_1_1">
     <p:bg>
@@ -5058,7 +4327,7 @@
 </p:sldLayout>
 </file>
 
-<file path=ppt/slideLayouts/slideLayout12.xml><?xml version="1.0" encoding="utf-8"?>
+<file path=ppt/slideLayouts/slideLayout11.xml><?xml version="1.0" encoding="utf-8"?>
 <p:sldLayout xmlns:a="http://schemas.openxmlformats.org/drawingml/2006/main" xmlns:r="http://schemas.openxmlformats.org/officeDocument/2006/relationships" xmlns:p="http://schemas.openxmlformats.org/presentationml/2006/main" matchingName="Title and six columns 1">
   <p:cSld name="CUSTOM_21">
     <p:bg>
@@ -7690,7 +6959,7 @@
 </p:sldLayout>
 </file>
 
-<file path=ppt/slideLayouts/slideLayout13.xml><?xml version="1.0" encoding="utf-8"?>
+<file path=ppt/slideLayouts/slideLayout12.xml><?xml version="1.0" encoding="utf-8"?>
 <p:sldLayout xmlns:a="http://schemas.openxmlformats.org/drawingml/2006/main" xmlns:r="http://schemas.openxmlformats.org/officeDocument/2006/relationships" xmlns:p="http://schemas.openxmlformats.org/presentationml/2006/main" matchingName="Background">
   <p:cSld name="BLANK_1_1_1_1_1_1_1_1_1_1_1_1_1_1_1_1">
     <p:bg>
@@ -7767,7 +7036,7 @@
 </p:sldLayout>
 </file>
 
-<file path=ppt/slideLayouts/slideLayout14.xml><?xml version="1.0" encoding="utf-8"?>
+<file path=ppt/slideLayouts/slideLayout13.xml><?xml version="1.0" encoding="utf-8"?>
 <p:sldLayout xmlns:a="http://schemas.openxmlformats.org/drawingml/2006/main" xmlns:r="http://schemas.openxmlformats.org/officeDocument/2006/relationships" xmlns:p="http://schemas.openxmlformats.org/presentationml/2006/main" matchingName="Background 1">
   <p:cSld name="BLANK_1_1_1_1_1_1_1_1_1_1_1_1_1_1_1_1_1">
     <p:bg>
@@ -8559,316 +7828,6 @@
 </file>
 
 <file path=ppt/slideLayouts/slideLayout3.xml><?xml version="1.0" encoding="utf-8"?>
-<p:sldLayout xmlns:a="http://schemas.openxmlformats.org/drawingml/2006/main" xmlns:r="http://schemas.openxmlformats.org/officeDocument/2006/relationships" xmlns:p="http://schemas.openxmlformats.org/presentationml/2006/main" matchingName="Title only" type="titleOnly">
-  <p:cSld name="TITLE_ONLY">
-    <p:bg>
-      <p:bgPr>
-        <a:solidFill>
-          <a:schemeClr val="dk1"/>
-        </a:solidFill>
-        <a:effectLst/>
-      </p:bgPr>
-    </p:bg>
-    <p:spTree>
-      <p:nvGrpSpPr>
-        <p:cNvPr id="1" name="Shape 35"/>
-        <p:cNvGrpSpPr/>
-        <p:nvPr/>
-      </p:nvGrpSpPr>
-      <p:grpSpPr>
-        <a:xfrm>
-          <a:off x="0" y="0"/>
-          <a:ext cx="0" cy="0"/>
-          <a:chOff x="0" y="0"/>
-          <a:chExt cx="0" cy="0"/>
-        </a:xfrm>
-      </p:grpSpPr>
-      <p:grpSp>
-        <p:nvGrpSpPr>
-          <p:cNvPr id="36" name="Google Shape;36;p6"/>
-          <p:cNvGrpSpPr/>
-          <p:nvPr/>
-        </p:nvGrpSpPr>
-        <p:grpSpPr>
-          <a:xfrm>
-            <a:off x="713225" y="539500"/>
-            <a:ext cx="7717500" cy="4064400"/>
-            <a:chOff x="713225" y="539500"/>
-            <a:chExt cx="7717500" cy="4064400"/>
-          </a:xfrm>
-        </p:grpSpPr>
-        <p:sp>
-          <p:nvSpPr>
-            <p:cNvPr id="37" name="Google Shape;37;p6"/>
-            <p:cNvSpPr/>
-            <p:nvPr/>
-          </p:nvSpPr>
-          <p:spPr>
-            <a:xfrm>
-              <a:off x="713225" y="539500"/>
-              <a:ext cx="7717500" cy="4064400"/>
-            </a:xfrm>
-            <a:prstGeom prst="rect">
-              <a:avLst/>
-            </a:prstGeom>
-            <a:noFill/>
-            <a:ln w="38100" cap="flat" cmpd="sng">
-              <a:solidFill>
-                <a:schemeClr val="accent1"/>
-              </a:solidFill>
-              <a:prstDash val="solid"/>
-              <a:round/>
-              <a:headEnd type="none" w="sm" len="sm"/>
-              <a:tailEnd type="none" w="sm" len="sm"/>
-            </a:ln>
-          </p:spPr>
-          <p:txBody>
-            <a:bodyPr spcFirstLastPara="1" wrap="square" lIns="91425" tIns="91425" rIns="91425" bIns="91425" anchor="ctr" anchorCtr="0">
-              <a:noAutofit/>
-            </a:bodyPr>
-            <a:lstStyle/>
-            <a:p>
-              <a:pPr marL="0" lvl="0" indent="0" algn="l" rtl="0">
-                <a:spcBef>
-                  <a:spcPts val="0"/>
-                </a:spcBef>
-                <a:spcAft>
-                  <a:spcPts val="0"/>
-                </a:spcAft>
-                <a:buNone/>
-              </a:pPr>
-              <a:endParaRPr/>
-            </a:p>
-          </p:txBody>
-        </p:sp>
-        <p:cxnSp>
-          <p:nvCxnSpPr>
-            <p:cNvPr id="38" name="Google Shape;38;p6"/>
-            <p:cNvCxnSpPr/>
-            <p:nvPr/>
-          </p:nvCxnSpPr>
-          <p:spPr>
-            <a:xfrm>
-              <a:off x="734825" y="1102075"/>
-              <a:ext cx="7674300" cy="0"/>
-            </a:xfrm>
-            <a:prstGeom prst="straightConnector1">
-              <a:avLst/>
-            </a:prstGeom>
-            <a:noFill/>
-            <a:ln w="38100" cap="flat" cmpd="sng">
-              <a:solidFill>
-                <a:schemeClr val="accent1"/>
-              </a:solidFill>
-              <a:prstDash val="solid"/>
-              <a:round/>
-              <a:headEnd type="none" w="med" len="med"/>
-              <a:tailEnd type="none" w="med" len="med"/>
-            </a:ln>
-          </p:spPr>
-        </p:cxnSp>
-      </p:grpSp>
-      <p:sp>
-        <p:nvSpPr>
-          <p:cNvPr id="39" name="Google Shape;39;p6"/>
-          <p:cNvSpPr txBox="1">
-            <a:spLocks noGrp="1"/>
-          </p:cNvSpPr>
-          <p:nvPr>
-            <p:ph type="title"/>
-          </p:nvPr>
-        </p:nvSpPr>
-        <p:spPr>
-          <a:xfrm>
-            <a:off x="713250" y="539525"/>
-            <a:ext cx="7717500" cy="572700"/>
-          </a:xfrm>
-          <a:prstGeom prst="rect">
-            <a:avLst/>
-          </a:prstGeom>
-        </p:spPr>
-        <p:txBody>
-          <a:bodyPr spcFirstLastPara="1" wrap="square" lIns="91425" tIns="91425" rIns="91425" bIns="91425" anchor="ctr" anchorCtr="0">
-            <a:noAutofit/>
-          </a:bodyPr>
-          <a:lstStyle>
-            <a:lvl1pPr lvl="0" algn="ctr" rtl="0">
-              <a:spcBef>
-                <a:spcPts val="0"/>
-              </a:spcBef>
-              <a:spcAft>
-                <a:spcPts val="0"/>
-              </a:spcAft>
-              <a:buClr>
-                <a:schemeClr val="lt1"/>
-              </a:buClr>
-              <a:buSzPts val="2800"/>
-              <a:buNone/>
-              <a:defRPr>
-                <a:solidFill>
-                  <a:schemeClr val="lt1"/>
-                </a:solidFill>
-              </a:defRPr>
-            </a:lvl1pPr>
-            <a:lvl2pPr lvl="1" rtl="0">
-              <a:spcBef>
-                <a:spcPts val="0"/>
-              </a:spcBef>
-              <a:spcAft>
-                <a:spcPts val="0"/>
-              </a:spcAft>
-              <a:buClr>
-                <a:schemeClr val="lt1"/>
-              </a:buClr>
-              <a:buSzPts val="2800"/>
-              <a:buNone/>
-              <a:defRPr>
-                <a:solidFill>
-                  <a:schemeClr val="lt1"/>
-                </a:solidFill>
-              </a:defRPr>
-            </a:lvl2pPr>
-            <a:lvl3pPr lvl="2" rtl="0">
-              <a:spcBef>
-                <a:spcPts val="0"/>
-              </a:spcBef>
-              <a:spcAft>
-                <a:spcPts val="0"/>
-              </a:spcAft>
-              <a:buClr>
-                <a:schemeClr val="lt1"/>
-              </a:buClr>
-              <a:buSzPts val="2800"/>
-              <a:buNone/>
-              <a:defRPr>
-                <a:solidFill>
-                  <a:schemeClr val="lt1"/>
-                </a:solidFill>
-              </a:defRPr>
-            </a:lvl3pPr>
-            <a:lvl4pPr lvl="3" rtl="0">
-              <a:spcBef>
-                <a:spcPts val="0"/>
-              </a:spcBef>
-              <a:spcAft>
-                <a:spcPts val="0"/>
-              </a:spcAft>
-              <a:buClr>
-                <a:schemeClr val="lt1"/>
-              </a:buClr>
-              <a:buSzPts val="2800"/>
-              <a:buNone/>
-              <a:defRPr>
-                <a:solidFill>
-                  <a:schemeClr val="lt1"/>
-                </a:solidFill>
-              </a:defRPr>
-            </a:lvl4pPr>
-            <a:lvl5pPr lvl="4" rtl="0">
-              <a:spcBef>
-                <a:spcPts val="0"/>
-              </a:spcBef>
-              <a:spcAft>
-                <a:spcPts val="0"/>
-              </a:spcAft>
-              <a:buClr>
-                <a:schemeClr val="lt1"/>
-              </a:buClr>
-              <a:buSzPts val="2800"/>
-              <a:buNone/>
-              <a:defRPr>
-                <a:solidFill>
-                  <a:schemeClr val="lt1"/>
-                </a:solidFill>
-              </a:defRPr>
-            </a:lvl5pPr>
-            <a:lvl6pPr lvl="5" rtl="0">
-              <a:spcBef>
-                <a:spcPts val="0"/>
-              </a:spcBef>
-              <a:spcAft>
-                <a:spcPts val="0"/>
-              </a:spcAft>
-              <a:buClr>
-                <a:schemeClr val="lt1"/>
-              </a:buClr>
-              <a:buSzPts val="2800"/>
-              <a:buNone/>
-              <a:defRPr>
-                <a:solidFill>
-                  <a:schemeClr val="lt1"/>
-                </a:solidFill>
-              </a:defRPr>
-            </a:lvl6pPr>
-            <a:lvl7pPr lvl="6" rtl="0">
-              <a:spcBef>
-                <a:spcPts val="0"/>
-              </a:spcBef>
-              <a:spcAft>
-                <a:spcPts val="0"/>
-              </a:spcAft>
-              <a:buClr>
-                <a:schemeClr val="lt1"/>
-              </a:buClr>
-              <a:buSzPts val="2800"/>
-              <a:buNone/>
-              <a:defRPr>
-                <a:solidFill>
-                  <a:schemeClr val="lt1"/>
-                </a:solidFill>
-              </a:defRPr>
-            </a:lvl7pPr>
-            <a:lvl8pPr lvl="7" rtl="0">
-              <a:spcBef>
-                <a:spcPts val="0"/>
-              </a:spcBef>
-              <a:spcAft>
-                <a:spcPts val="0"/>
-              </a:spcAft>
-              <a:buClr>
-                <a:schemeClr val="lt1"/>
-              </a:buClr>
-              <a:buSzPts val="2800"/>
-              <a:buNone/>
-              <a:defRPr>
-                <a:solidFill>
-                  <a:schemeClr val="lt1"/>
-                </a:solidFill>
-              </a:defRPr>
-            </a:lvl8pPr>
-            <a:lvl9pPr lvl="8" rtl="0">
-              <a:spcBef>
-                <a:spcPts val="0"/>
-              </a:spcBef>
-              <a:spcAft>
-                <a:spcPts val="0"/>
-              </a:spcAft>
-              <a:buClr>
-                <a:schemeClr val="lt1"/>
-              </a:buClr>
-              <a:buSzPts val="2800"/>
-              <a:buNone/>
-              <a:defRPr>
-                <a:solidFill>
-                  <a:schemeClr val="lt1"/>
-                </a:solidFill>
-              </a:defRPr>
-            </a:lvl9pPr>
-          </a:lstStyle>
-          <a:p>
-            <a:endParaRPr/>
-          </a:p>
-        </p:txBody>
-      </p:sp>
-    </p:spTree>
-  </p:cSld>
-  <p:clrMapOvr>
-    <a:masterClrMapping/>
-  </p:clrMapOvr>
-</p:sldLayout>
-</file>
-
-<file path=ppt/slideLayouts/slideLayout4.xml><?xml version="1.0" encoding="utf-8"?>
 <p:sldLayout xmlns:a="http://schemas.openxmlformats.org/drawingml/2006/main" xmlns:r="http://schemas.openxmlformats.org/officeDocument/2006/relationships" xmlns:p="http://schemas.openxmlformats.org/presentationml/2006/main" matchingName="One column text">
   <p:cSld name="ONE_COLUMN_TEXT">
     <p:bg>
@@ -9397,7 +8356,7 @@
 </p:sldLayout>
 </file>
 
-<file path=ppt/slideLayouts/slideLayout5.xml><?xml version="1.0" encoding="utf-8"?>
+<file path=ppt/slideLayouts/slideLayout4.xml><?xml version="1.0" encoding="utf-8"?>
 <p:sldLayout xmlns:a="http://schemas.openxmlformats.org/drawingml/2006/main" xmlns:r="http://schemas.openxmlformats.org/officeDocument/2006/relationships" xmlns:p="http://schemas.openxmlformats.org/presentationml/2006/main" matchingName="Main point">
   <p:cSld name="MAIN_POINT">
     <p:bg>
@@ -9666,7 +8625,7 @@
 </p:sldLayout>
 </file>
 
-<file path=ppt/slideLayouts/slideLayout6.xml><?xml version="1.0" encoding="utf-8"?>
+<file path=ppt/slideLayouts/slideLayout5.xml><?xml version="1.0" encoding="utf-8"?>
 <p:sldLayout xmlns:a="http://schemas.openxmlformats.org/drawingml/2006/main" xmlns:r="http://schemas.openxmlformats.org/officeDocument/2006/relationships" xmlns:p="http://schemas.openxmlformats.org/presentationml/2006/main" matchingName="Section title and description">
   <p:cSld name="SECTION_TITLE_AND_DESCRIPTION">
     <p:bg>
@@ -10389,7 +9348,7 @@
 </p:sldLayout>
 </file>
 
-<file path=ppt/slideLayouts/slideLayout7.xml><?xml version="1.0" encoding="utf-8"?>
+<file path=ppt/slideLayouts/slideLayout6.xml><?xml version="1.0" encoding="utf-8"?>
 <p:sldLayout xmlns:a="http://schemas.openxmlformats.org/drawingml/2006/main" xmlns:r="http://schemas.openxmlformats.org/officeDocument/2006/relationships" xmlns:p="http://schemas.openxmlformats.org/presentationml/2006/main" matchingName="Blank" type="blank">
   <p:cSld name="BLANK">
     <p:spTree>
@@ -10414,7 +9373,7 @@
 </p:sldLayout>
 </file>
 
-<file path=ppt/slideLayouts/slideLayout8.xml><?xml version="1.0" encoding="utf-8"?>
+<file path=ppt/slideLayouts/slideLayout7.xml><?xml version="1.0" encoding="utf-8"?>
 <p:sldLayout xmlns:a="http://schemas.openxmlformats.org/drawingml/2006/main" xmlns:r="http://schemas.openxmlformats.org/officeDocument/2006/relationships" xmlns:p="http://schemas.openxmlformats.org/presentationml/2006/main" matchingName="Table of Contents">
   <p:cSld name="BLANK_1">
     <p:bg>
@@ -13154,7 +12113,7 @@
 </p:sldLayout>
 </file>
 
-<file path=ppt/slideLayouts/slideLayout9.xml><?xml version="1.0" encoding="utf-8"?>
+<file path=ppt/slideLayouts/slideLayout8.xml><?xml version="1.0" encoding="utf-8"?>
 <p:sldLayout xmlns:a="http://schemas.openxmlformats.org/drawingml/2006/main" xmlns:r="http://schemas.openxmlformats.org/officeDocument/2006/relationships" xmlns:p="http://schemas.openxmlformats.org/presentationml/2006/main" matchingName="Section header 1">
   <p:cSld name="CUSTOM_3">
     <p:bg>
@@ -13578,6 +12537,632 @@
           </a:bodyPr>
           <a:lstStyle>
             <a:lvl1pPr lvl="0" rtl="0">
+              <a:lnSpc>
+                <a:spcPct val="100000"/>
+              </a:lnSpc>
+              <a:spcBef>
+                <a:spcPts val="0"/>
+              </a:spcBef>
+              <a:spcAft>
+                <a:spcPts val="0"/>
+              </a:spcAft>
+              <a:buClr>
+                <a:schemeClr val="lt1"/>
+              </a:buClr>
+              <a:buSzPts val="1800"/>
+              <a:buNone/>
+              <a:defRPr>
+                <a:solidFill>
+                  <a:schemeClr val="lt1"/>
+                </a:solidFill>
+              </a:defRPr>
+            </a:lvl1pPr>
+            <a:lvl2pPr lvl="1" rtl="0">
+              <a:lnSpc>
+                <a:spcPct val="100000"/>
+              </a:lnSpc>
+              <a:spcBef>
+                <a:spcPts val="0"/>
+              </a:spcBef>
+              <a:spcAft>
+                <a:spcPts val="0"/>
+              </a:spcAft>
+              <a:buClr>
+                <a:schemeClr val="lt1"/>
+              </a:buClr>
+              <a:buSzPts val="2800"/>
+              <a:buNone/>
+              <a:defRPr sz="2800">
+                <a:solidFill>
+                  <a:schemeClr val="lt1"/>
+                </a:solidFill>
+              </a:defRPr>
+            </a:lvl2pPr>
+            <a:lvl3pPr lvl="2" rtl="0">
+              <a:lnSpc>
+                <a:spcPct val="100000"/>
+              </a:lnSpc>
+              <a:spcBef>
+                <a:spcPts val="0"/>
+              </a:spcBef>
+              <a:spcAft>
+                <a:spcPts val="0"/>
+              </a:spcAft>
+              <a:buClr>
+                <a:schemeClr val="lt1"/>
+              </a:buClr>
+              <a:buSzPts val="2800"/>
+              <a:buNone/>
+              <a:defRPr sz="2800">
+                <a:solidFill>
+                  <a:schemeClr val="lt1"/>
+                </a:solidFill>
+              </a:defRPr>
+            </a:lvl3pPr>
+            <a:lvl4pPr lvl="3" rtl="0">
+              <a:lnSpc>
+                <a:spcPct val="100000"/>
+              </a:lnSpc>
+              <a:spcBef>
+                <a:spcPts val="0"/>
+              </a:spcBef>
+              <a:spcAft>
+                <a:spcPts val="0"/>
+              </a:spcAft>
+              <a:buClr>
+                <a:schemeClr val="lt1"/>
+              </a:buClr>
+              <a:buSzPts val="2800"/>
+              <a:buNone/>
+              <a:defRPr sz="2800">
+                <a:solidFill>
+                  <a:schemeClr val="lt1"/>
+                </a:solidFill>
+              </a:defRPr>
+            </a:lvl4pPr>
+            <a:lvl5pPr lvl="4" rtl="0">
+              <a:lnSpc>
+                <a:spcPct val="100000"/>
+              </a:lnSpc>
+              <a:spcBef>
+                <a:spcPts val="0"/>
+              </a:spcBef>
+              <a:spcAft>
+                <a:spcPts val="0"/>
+              </a:spcAft>
+              <a:buClr>
+                <a:schemeClr val="lt1"/>
+              </a:buClr>
+              <a:buSzPts val="2800"/>
+              <a:buNone/>
+              <a:defRPr sz="2800">
+                <a:solidFill>
+                  <a:schemeClr val="lt1"/>
+                </a:solidFill>
+              </a:defRPr>
+            </a:lvl5pPr>
+            <a:lvl6pPr lvl="5" rtl="0">
+              <a:lnSpc>
+                <a:spcPct val="100000"/>
+              </a:lnSpc>
+              <a:spcBef>
+                <a:spcPts val="0"/>
+              </a:spcBef>
+              <a:spcAft>
+                <a:spcPts val="0"/>
+              </a:spcAft>
+              <a:buClr>
+                <a:schemeClr val="lt1"/>
+              </a:buClr>
+              <a:buSzPts val="2800"/>
+              <a:buNone/>
+              <a:defRPr sz="2800">
+                <a:solidFill>
+                  <a:schemeClr val="lt1"/>
+                </a:solidFill>
+              </a:defRPr>
+            </a:lvl6pPr>
+            <a:lvl7pPr lvl="6" rtl="0">
+              <a:lnSpc>
+                <a:spcPct val="100000"/>
+              </a:lnSpc>
+              <a:spcBef>
+                <a:spcPts val="0"/>
+              </a:spcBef>
+              <a:spcAft>
+                <a:spcPts val="0"/>
+              </a:spcAft>
+              <a:buClr>
+                <a:schemeClr val="lt1"/>
+              </a:buClr>
+              <a:buSzPts val="2800"/>
+              <a:buNone/>
+              <a:defRPr sz="2800">
+                <a:solidFill>
+                  <a:schemeClr val="lt1"/>
+                </a:solidFill>
+              </a:defRPr>
+            </a:lvl7pPr>
+            <a:lvl8pPr lvl="7" rtl="0">
+              <a:lnSpc>
+                <a:spcPct val="100000"/>
+              </a:lnSpc>
+              <a:spcBef>
+                <a:spcPts val="0"/>
+              </a:spcBef>
+              <a:spcAft>
+                <a:spcPts val="0"/>
+              </a:spcAft>
+              <a:buClr>
+                <a:schemeClr val="lt1"/>
+              </a:buClr>
+              <a:buSzPts val="2800"/>
+              <a:buNone/>
+              <a:defRPr sz="2800">
+                <a:solidFill>
+                  <a:schemeClr val="lt1"/>
+                </a:solidFill>
+              </a:defRPr>
+            </a:lvl8pPr>
+            <a:lvl9pPr lvl="8" rtl="0">
+              <a:lnSpc>
+                <a:spcPct val="100000"/>
+              </a:lnSpc>
+              <a:spcBef>
+                <a:spcPts val="0"/>
+              </a:spcBef>
+              <a:spcAft>
+                <a:spcPts val="0"/>
+              </a:spcAft>
+              <a:buClr>
+                <a:schemeClr val="lt1"/>
+              </a:buClr>
+              <a:buSzPts val="2800"/>
+              <a:buNone/>
+              <a:defRPr sz="2800">
+                <a:solidFill>
+                  <a:schemeClr val="lt1"/>
+                </a:solidFill>
+              </a:defRPr>
+            </a:lvl9pPr>
+          </a:lstStyle>
+          <a:p>
+            <a:endParaRPr/>
+          </a:p>
+        </p:txBody>
+      </p:sp>
+    </p:spTree>
+  </p:cSld>
+  <p:clrMapOvr>
+    <a:masterClrMapping/>
+  </p:clrMapOvr>
+</p:sldLayout>
+</file>
+
+<file path=ppt/slideLayouts/slideLayout9.xml><?xml version="1.0" encoding="utf-8"?>
+<p:sldLayout xmlns:a="http://schemas.openxmlformats.org/drawingml/2006/main" xmlns:r="http://schemas.openxmlformats.org/officeDocument/2006/relationships" xmlns:p="http://schemas.openxmlformats.org/presentationml/2006/main" matchingName="Section header 2">
+  <p:cSld name="CUSTOM_4">
+    <p:bg>
+      <p:bgPr>
+        <a:solidFill>
+          <a:schemeClr val="dk1"/>
+        </a:solidFill>
+        <a:effectLst/>
+      </p:bgPr>
+    </p:bg>
+    <p:spTree>
+      <p:nvGrpSpPr>
+        <p:cNvPr id="1" name="Shape 109"/>
+        <p:cNvGrpSpPr/>
+        <p:nvPr/>
+      </p:nvGrpSpPr>
+      <p:grpSpPr>
+        <a:xfrm>
+          <a:off x="0" y="0"/>
+          <a:ext cx="0" cy="0"/>
+          <a:chOff x="0" y="0"/>
+          <a:chExt cx="0" cy="0"/>
+        </a:xfrm>
+      </p:grpSpPr>
+      <p:sp>
+        <p:nvSpPr>
+          <p:cNvPr id="110" name="Google Shape;110;p17"/>
+          <p:cNvSpPr/>
+          <p:nvPr/>
+        </p:nvSpPr>
+        <p:spPr>
+          <a:xfrm>
+            <a:off x="713225" y="539500"/>
+            <a:ext cx="7717500" cy="4064400"/>
+          </a:xfrm>
+          <a:prstGeom prst="rect">
+            <a:avLst/>
+          </a:prstGeom>
+          <a:noFill/>
+          <a:ln w="38100" cap="flat" cmpd="sng">
+            <a:solidFill>
+              <a:schemeClr val="accent1"/>
+            </a:solidFill>
+            <a:prstDash val="solid"/>
+            <a:round/>
+            <a:headEnd type="none" w="sm" len="sm"/>
+            <a:tailEnd type="none" w="sm" len="sm"/>
+          </a:ln>
+        </p:spPr>
+        <p:txBody>
+          <a:bodyPr spcFirstLastPara="1" wrap="square" lIns="91425" tIns="91425" rIns="91425" bIns="91425" anchor="ctr" anchorCtr="0">
+            <a:noAutofit/>
+          </a:bodyPr>
+          <a:lstStyle/>
+          <a:p>
+            <a:pPr marL="0" lvl="0" indent="0" algn="l" rtl="0">
+              <a:spcBef>
+                <a:spcPts val="0"/>
+              </a:spcBef>
+              <a:spcAft>
+                <a:spcPts val="0"/>
+              </a:spcAft>
+              <a:buNone/>
+            </a:pPr>
+            <a:endParaRPr/>
+          </a:p>
+        </p:txBody>
+      </p:sp>
+      <p:sp>
+        <p:nvSpPr>
+          <p:cNvPr id="111" name="Google Shape;111;p17"/>
+          <p:cNvSpPr txBox="1">
+            <a:spLocks noGrp="1"/>
+          </p:cNvSpPr>
+          <p:nvPr>
+            <p:ph type="title"/>
+          </p:nvPr>
+        </p:nvSpPr>
+        <p:spPr>
+          <a:xfrm>
+            <a:off x="1714350" y="2559925"/>
+            <a:ext cx="5715300" cy="1068300"/>
+          </a:xfrm>
+          <a:prstGeom prst="rect">
+            <a:avLst/>
+          </a:prstGeom>
+        </p:spPr>
+        <p:txBody>
+          <a:bodyPr spcFirstLastPara="1" wrap="square" lIns="91425" tIns="91425" rIns="91425" bIns="91425" anchor="ctr" anchorCtr="0">
+            <a:noAutofit/>
+          </a:bodyPr>
+          <a:lstStyle>
+            <a:lvl1pPr lvl="0" algn="ctr" rtl="0">
+              <a:spcBef>
+                <a:spcPts val="0"/>
+              </a:spcBef>
+              <a:spcAft>
+                <a:spcPts val="0"/>
+              </a:spcAft>
+              <a:buClr>
+                <a:schemeClr val="lt1"/>
+              </a:buClr>
+              <a:buSzPts val="4800"/>
+              <a:buNone/>
+              <a:defRPr sz="4800">
+                <a:solidFill>
+                  <a:schemeClr val="lt1"/>
+                </a:solidFill>
+              </a:defRPr>
+            </a:lvl1pPr>
+            <a:lvl2pPr lvl="1" rtl="0">
+              <a:spcBef>
+                <a:spcPts val="0"/>
+              </a:spcBef>
+              <a:spcAft>
+                <a:spcPts val="0"/>
+              </a:spcAft>
+              <a:buSzPts val="4800"/>
+              <a:buNone/>
+              <a:defRPr sz="4800"/>
+            </a:lvl2pPr>
+            <a:lvl3pPr lvl="2" rtl="0">
+              <a:spcBef>
+                <a:spcPts val="0"/>
+              </a:spcBef>
+              <a:spcAft>
+                <a:spcPts val="0"/>
+              </a:spcAft>
+              <a:buSzPts val="4800"/>
+              <a:buNone/>
+              <a:defRPr sz="4800"/>
+            </a:lvl3pPr>
+            <a:lvl4pPr lvl="3" rtl="0">
+              <a:spcBef>
+                <a:spcPts val="0"/>
+              </a:spcBef>
+              <a:spcAft>
+                <a:spcPts val="0"/>
+              </a:spcAft>
+              <a:buSzPts val="4800"/>
+              <a:buNone/>
+              <a:defRPr sz="4800"/>
+            </a:lvl4pPr>
+            <a:lvl5pPr lvl="4" rtl="0">
+              <a:spcBef>
+                <a:spcPts val="0"/>
+              </a:spcBef>
+              <a:spcAft>
+                <a:spcPts val="0"/>
+              </a:spcAft>
+              <a:buSzPts val="4800"/>
+              <a:buNone/>
+              <a:defRPr sz="4800"/>
+            </a:lvl5pPr>
+            <a:lvl6pPr lvl="5" rtl="0">
+              <a:spcBef>
+                <a:spcPts val="0"/>
+              </a:spcBef>
+              <a:spcAft>
+                <a:spcPts val="0"/>
+              </a:spcAft>
+              <a:buSzPts val="4800"/>
+              <a:buNone/>
+              <a:defRPr sz="4800"/>
+            </a:lvl6pPr>
+            <a:lvl7pPr lvl="6" rtl="0">
+              <a:spcBef>
+                <a:spcPts val="0"/>
+              </a:spcBef>
+              <a:spcAft>
+                <a:spcPts val="0"/>
+              </a:spcAft>
+              <a:buSzPts val="4800"/>
+              <a:buNone/>
+              <a:defRPr sz="4800"/>
+            </a:lvl7pPr>
+            <a:lvl8pPr lvl="7" rtl="0">
+              <a:spcBef>
+                <a:spcPts val="0"/>
+              </a:spcBef>
+              <a:spcAft>
+                <a:spcPts val="0"/>
+              </a:spcAft>
+              <a:buSzPts val="4800"/>
+              <a:buNone/>
+              <a:defRPr sz="4800"/>
+            </a:lvl8pPr>
+            <a:lvl9pPr lvl="8" rtl="0">
+              <a:spcBef>
+                <a:spcPts val="0"/>
+              </a:spcBef>
+              <a:spcAft>
+                <a:spcPts val="0"/>
+              </a:spcAft>
+              <a:buSzPts val="4800"/>
+              <a:buNone/>
+              <a:defRPr sz="4800"/>
+            </a:lvl9pPr>
+          </a:lstStyle>
+          <a:p>
+            <a:endParaRPr/>
+          </a:p>
+        </p:txBody>
+      </p:sp>
+      <p:sp>
+        <p:nvSpPr>
+          <p:cNvPr id="112" name="Google Shape;112;p17"/>
+          <p:cNvSpPr txBox="1">
+            <a:spLocks noGrp="1"/>
+          </p:cNvSpPr>
+          <p:nvPr>
+            <p:ph type="title" idx="2" hasCustomPrompt="1"/>
+          </p:nvPr>
+        </p:nvSpPr>
+        <p:spPr>
+          <a:xfrm>
+            <a:off x="3496800" y="894025"/>
+            <a:ext cx="2150400" cy="1665900"/>
+          </a:xfrm>
+          <a:prstGeom prst="rect">
+            <a:avLst/>
+          </a:prstGeom>
+        </p:spPr>
+        <p:txBody>
+          <a:bodyPr spcFirstLastPara="1" wrap="square" lIns="91425" tIns="91425" rIns="91425" bIns="91425" anchor="ctr" anchorCtr="0">
+            <a:noAutofit/>
+          </a:bodyPr>
+          <a:lstStyle>
+            <a:lvl1pPr lvl="0" algn="ctr" rtl="0">
+              <a:spcBef>
+                <a:spcPts val="0"/>
+              </a:spcBef>
+              <a:spcAft>
+                <a:spcPts val="0"/>
+              </a:spcAft>
+              <a:buClr>
+                <a:schemeClr val="lt1"/>
+              </a:buClr>
+              <a:buSzPts val="4800"/>
+              <a:buNone/>
+              <a:defRPr sz="7200">
+                <a:solidFill>
+                  <a:schemeClr val="lt1"/>
+                </a:solidFill>
+              </a:defRPr>
+            </a:lvl1pPr>
+            <a:lvl2pPr lvl="1" rtl="0">
+              <a:spcBef>
+                <a:spcPts val="0"/>
+              </a:spcBef>
+              <a:spcAft>
+                <a:spcPts val="0"/>
+              </a:spcAft>
+              <a:buClr>
+                <a:schemeClr val="lt1"/>
+              </a:buClr>
+              <a:buSzPts val="4800"/>
+              <a:buNone/>
+              <a:defRPr sz="4800">
+                <a:solidFill>
+                  <a:schemeClr val="lt1"/>
+                </a:solidFill>
+              </a:defRPr>
+            </a:lvl2pPr>
+            <a:lvl3pPr lvl="2" rtl="0">
+              <a:spcBef>
+                <a:spcPts val="0"/>
+              </a:spcBef>
+              <a:spcAft>
+                <a:spcPts val="0"/>
+              </a:spcAft>
+              <a:buClr>
+                <a:schemeClr val="lt1"/>
+              </a:buClr>
+              <a:buSzPts val="4800"/>
+              <a:buNone/>
+              <a:defRPr sz="4800">
+                <a:solidFill>
+                  <a:schemeClr val="lt1"/>
+                </a:solidFill>
+              </a:defRPr>
+            </a:lvl3pPr>
+            <a:lvl4pPr lvl="3" rtl="0">
+              <a:spcBef>
+                <a:spcPts val="0"/>
+              </a:spcBef>
+              <a:spcAft>
+                <a:spcPts val="0"/>
+              </a:spcAft>
+              <a:buClr>
+                <a:schemeClr val="lt1"/>
+              </a:buClr>
+              <a:buSzPts val="4800"/>
+              <a:buNone/>
+              <a:defRPr sz="4800">
+                <a:solidFill>
+                  <a:schemeClr val="lt1"/>
+                </a:solidFill>
+              </a:defRPr>
+            </a:lvl4pPr>
+            <a:lvl5pPr lvl="4" rtl="0">
+              <a:spcBef>
+                <a:spcPts val="0"/>
+              </a:spcBef>
+              <a:spcAft>
+                <a:spcPts val="0"/>
+              </a:spcAft>
+              <a:buClr>
+                <a:schemeClr val="lt1"/>
+              </a:buClr>
+              <a:buSzPts val="4800"/>
+              <a:buNone/>
+              <a:defRPr sz="4800">
+                <a:solidFill>
+                  <a:schemeClr val="lt1"/>
+                </a:solidFill>
+              </a:defRPr>
+            </a:lvl5pPr>
+            <a:lvl6pPr lvl="5" rtl="0">
+              <a:spcBef>
+                <a:spcPts val="0"/>
+              </a:spcBef>
+              <a:spcAft>
+                <a:spcPts val="0"/>
+              </a:spcAft>
+              <a:buClr>
+                <a:schemeClr val="lt1"/>
+              </a:buClr>
+              <a:buSzPts val="4800"/>
+              <a:buNone/>
+              <a:defRPr sz="4800">
+                <a:solidFill>
+                  <a:schemeClr val="lt1"/>
+                </a:solidFill>
+              </a:defRPr>
+            </a:lvl6pPr>
+            <a:lvl7pPr lvl="6" rtl="0">
+              <a:spcBef>
+                <a:spcPts val="0"/>
+              </a:spcBef>
+              <a:spcAft>
+                <a:spcPts val="0"/>
+              </a:spcAft>
+              <a:buClr>
+                <a:schemeClr val="lt1"/>
+              </a:buClr>
+              <a:buSzPts val="4800"/>
+              <a:buNone/>
+              <a:defRPr sz="4800">
+                <a:solidFill>
+                  <a:schemeClr val="lt1"/>
+                </a:solidFill>
+              </a:defRPr>
+            </a:lvl7pPr>
+            <a:lvl8pPr lvl="7" rtl="0">
+              <a:spcBef>
+                <a:spcPts val="0"/>
+              </a:spcBef>
+              <a:spcAft>
+                <a:spcPts val="0"/>
+              </a:spcAft>
+              <a:buClr>
+                <a:schemeClr val="lt1"/>
+              </a:buClr>
+              <a:buSzPts val="4800"/>
+              <a:buNone/>
+              <a:defRPr sz="4800">
+                <a:solidFill>
+                  <a:schemeClr val="lt1"/>
+                </a:solidFill>
+              </a:defRPr>
+            </a:lvl8pPr>
+            <a:lvl9pPr lvl="8" rtl="0">
+              <a:spcBef>
+                <a:spcPts val="0"/>
+              </a:spcBef>
+              <a:spcAft>
+                <a:spcPts val="0"/>
+              </a:spcAft>
+              <a:buClr>
+                <a:schemeClr val="lt1"/>
+              </a:buClr>
+              <a:buSzPts val="4800"/>
+              <a:buNone/>
+              <a:defRPr sz="4800">
+                <a:solidFill>
+                  <a:schemeClr val="lt1"/>
+                </a:solidFill>
+              </a:defRPr>
+            </a:lvl9pPr>
+          </a:lstStyle>
+          <a:p>
+            <a:r>
+              <a:t>xx%</a:t>
+            </a:r>
+          </a:p>
+        </p:txBody>
+      </p:sp>
+      <p:sp>
+        <p:nvSpPr>
+          <p:cNvPr id="113" name="Google Shape;113;p17"/>
+          <p:cNvSpPr txBox="1">
+            <a:spLocks noGrp="1"/>
+          </p:cNvSpPr>
+          <p:nvPr>
+            <p:ph type="subTitle" idx="1"/>
+          </p:nvPr>
+        </p:nvSpPr>
+        <p:spPr>
+          <a:xfrm>
+            <a:off x="1896450" y="3802475"/>
+            <a:ext cx="5351100" cy="447000"/>
+          </a:xfrm>
+          <a:prstGeom prst="rect">
+            <a:avLst/>
+          </a:prstGeom>
+        </p:spPr>
+        <p:txBody>
+          <a:bodyPr spcFirstLastPara="1" wrap="square" lIns="91425" tIns="91425" rIns="91425" bIns="91425" anchor="ctr" anchorCtr="0">
+            <a:noAutofit/>
+          </a:bodyPr>
+          <a:lstStyle>
+            <a:lvl1pPr lvl="0" algn="ctr" rtl="0">
               <a:lnSpc>
                 <a:spcPct val="100000"/>
               </a:lnSpc>
@@ -14399,18 +13984,17 @@
   <p:sldLayoutIdLst>
     <p:sldLayoutId id="2147483648" r:id="rId1"/>
     <p:sldLayoutId id="2147483649" r:id="rId2"/>
-    <p:sldLayoutId id="2147483652" r:id="rId3"/>
-    <p:sldLayoutId id="2147483653" r:id="rId4"/>
-    <p:sldLayoutId id="2147483654" r:id="rId5"/>
-    <p:sldLayoutId id="2147483655" r:id="rId6"/>
-    <p:sldLayoutId id="2147483658" r:id="rId7"/>
-    <p:sldLayoutId id="2147483660" r:id="rId8"/>
-    <p:sldLayoutId id="2147483662" r:id="rId9"/>
-    <p:sldLayoutId id="2147483663" r:id="rId10"/>
-    <p:sldLayoutId id="2147483689" r:id="rId11"/>
-    <p:sldLayoutId id="2147483699" r:id="rId12"/>
-    <p:sldLayoutId id="2147483701" r:id="rId13"/>
-    <p:sldLayoutId id="2147483702" r:id="rId14"/>
+    <p:sldLayoutId id="2147483653" r:id="rId3"/>
+    <p:sldLayoutId id="2147483654" r:id="rId4"/>
+    <p:sldLayoutId id="2147483655" r:id="rId5"/>
+    <p:sldLayoutId id="2147483658" r:id="rId6"/>
+    <p:sldLayoutId id="2147483660" r:id="rId7"/>
+    <p:sldLayoutId id="2147483662" r:id="rId8"/>
+    <p:sldLayoutId id="2147483663" r:id="rId9"/>
+    <p:sldLayoutId id="2147483689" r:id="rId10"/>
+    <p:sldLayoutId id="2147483699" r:id="rId11"/>
+    <p:sldLayoutId id="2147483701" r:id="rId12"/>
+    <p:sldLayoutId id="2147483702" r:id="rId13"/>
   </p:sldLayoutIdLst>
   <p:hf sldNum="0" hdr="0" ftr="0" dt="0"/>
   <p:txStyles>
@@ -17366,120 +16950,6 @@
   <p:cSld>
     <p:spTree>
       <p:nvGrpSpPr>
-        <p:cNvPr id="1" name="Shape 816"/>
-        <p:cNvGrpSpPr/>
-        <p:nvPr/>
-      </p:nvGrpSpPr>
-      <p:grpSpPr>
-        <a:xfrm>
-          <a:off x="0" y="0"/>
-          <a:ext cx="0" cy="0"/>
-          <a:chOff x="0" y="0"/>
-          <a:chExt cx="0" cy="0"/>
-        </a:xfrm>
-      </p:grpSpPr>
-      <p:sp>
-        <p:nvSpPr>
-          <p:cNvPr id="817" name="Google Shape;817;p76"/>
-          <p:cNvSpPr txBox="1">
-            <a:spLocks noGrp="1"/>
-          </p:cNvSpPr>
-          <p:nvPr>
-            <p:ph type="title"/>
-          </p:nvPr>
-        </p:nvSpPr>
-        <p:spPr>
-          <a:xfrm>
-            <a:off x="713250" y="539525"/>
-            <a:ext cx="7717500" cy="572700"/>
-          </a:xfrm>
-          <a:prstGeom prst="rect">
-            <a:avLst/>
-          </a:prstGeom>
-        </p:spPr>
-        <p:txBody>
-          <a:bodyPr spcFirstLastPara="1" wrap="square" lIns="91425" tIns="91425" rIns="91425" bIns="91425" anchor="ctr" anchorCtr="0">
-            <a:noAutofit/>
-          </a:bodyPr>
-          <a:lstStyle/>
-          <a:p>
-            <a:pPr marL="0" lvl="0" indent="0" algn="ctr" rtl="0">
-              <a:spcBef>
-                <a:spcPts val="0"/>
-              </a:spcBef>
-              <a:spcAft>
-                <a:spcPts val="0"/>
-              </a:spcAft>
-              <a:buNone/>
-            </a:pPr>
-            <a:r>
-              <a:rPr lang="en" dirty="0" err="1"/>
-              <a:t>Diagrama</a:t>
-            </a:r>
-            <a:r>
-              <a:rPr lang="en" dirty="0"/>
-              <a:t> </a:t>
-            </a:r>
-            <a:r>
-              <a:rPr lang="en" dirty="0" err="1"/>
-              <a:t>Relacional</a:t>
-            </a:r>
-            <a:r>
-              <a:rPr lang="en" dirty="0"/>
-              <a:t> (SGBD)</a:t>
-            </a:r>
-            <a:endParaRPr dirty="0"/>
-          </a:p>
-        </p:txBody>
-      </p:sp>
-      <p:pic>
-        <p:nvPicPr>
-          <p:cNvPr id="6" name="Imagem 5" descr="Uma imagem com diagrama, Esquema, Desenho técnico, file&#10;&#10;Descrição gerada automaticamente">
-            <a:extLst>
-              <a:ext uri="{FF2B5EF4-FFF2-40B4-BE49-F238E27FC236}">
-                <a16:creationId xmlns:a16="http://schemas.microsoft.com/office/drawing/2014/main" id="{D73F6CD7-82CE-D013-D910-E8EC5DB857DC}"/>
-              </a:ext>
-            </a:extLst>
-          </p:cNvPr>
-          <p:cNvPicPr>
-            <a:picLocks noChangeAspect="1"/>
-          </p:cNvPicPr>
-          <p:nvPr/>
-        </p:nvPicPr>
-        <p:blipFill>
-          <a:blip r:embed="rId3"/>
-          <a:stretch>
-            <a:fillRect/>
-          </a:stretch>
-        </p:blipFill>
-        <p:spPr>
-          <a:xfrm>
-            <a:off x="713249" y="1112225"/>
-            <a:ext cx="7717499" cy="3491750"/>
-          </a:xfrm>
-          <a:prstGeom prst="rect">
-            <a:avLst/>
-          </a:prstGeom>
-        </p:spPr>
-      </p:pic>
-    </p:spTree>
-    <p:extLst>
-      <p:ext uri="{BB962C8B-B14F-4D97-AF65-F5344CB8AC3E}">
-        <p14:creationId xmlns:p14="http://schemas.microsoft.com/office/powerpoint/2010/main" val="1659405289"/>
-      </p:ext>
-    </p:extLst>
-  </p:cSld>
-  <p:clrMapOvr>
-    <a:masterClrMapping/>
-  </p:clrMapOvr>
-</p:sld>
-</file>
-
-<file path=ppt/slides/slide11.xml><?xml version="1.0" encoding="utf-8"?>
-<p:sld xmlns:a="http://schemas.openxmlformats.org/drawingml/2006/main" xmlns:r="http://schemas.openxmlformats.org/officeDocument/2006/relationships" xmlns:p="http://schemas.openxmlformats.org/presentationml/2006/main">
-  <p:cSld>
-    <p:spTree>
-      <p:nvGrpSpPr>
         <p:cNvPr id="1" name="Shape 895"/>
         <p:cNvGrpSpPr/>
         <p:nvPr/>
@@ -17918,7 +17388,7 @@
 </p:sld>
 </file>
 
-<file path=ppt/slides/slide12.xml><?xml version="1.0" encoding="utf-8"?>
+<file path=ppt/slides/slide11.xml><?xml version="1.0" encoding="utf-8"?>
 <p:sld xmlns:a="http://schemas.openxmlformats.org/drawingml/2006/main" xmlns:r="http://schemas.openxmlformats.org/officeDocument/2006/relationships" xmlns:p="http://schemas.openxmlformats.org/presentationml/2006/main">
   <p:cSld>
     <p:spTree>
@@ -18792,7 +18262,7 @@
 </p:sld>
 </file>
 
-<file path=ppt/slides/slide13.xml><?xml version="1.0" encoding="utf-8"?>
+<file path=ppt/slides/slide12.xml><?xml version="1.0" encoding="utf-8"?>
 <p:sld xmlns:a="http://schemas.openxmlformats.org/drawingml/2006/main" xmlns:r="http://schemas.openxmlformats.org/officeDocument/2006/relationships" xmlns:p="http://schemas.openxmlformats.org/presentationml/2006/main">
   <p:cSld>
     <p:spTree>
@@ -19245,7 +18715,7 @@
 </p:sld>
 </file>
 
-<file path=ppt/slides/slide14.xml><?xml version="1.0" encoding="utf-8"?>
+<file path=ppt/slides/slide13.xml><?xml version="1.0" encoding="utf-8"?>
 <p:sld xmlns:a="http://schemas.openxmlformats.org/drawingml/2006/main" xmlns:r="http://schemas.openxmlformats.org/officeDocument/2006/relationships" xmlns:p="http://schemas.openxmlformats.org/presentationml/2006/main">
   <p:cSld>
     <p:spTree>
@@ -20108,7 +19578,7 @@
 </p:sld>
 </file>
 
-<file path=ppt/slides/slide15.xml><?xml version="1.0" encoding="utf-8"?>
+<file path=ppt/slides/slide14.xml><?xml version="1.0" encoding="utf-8"?>
 <p:sld xmlns:a="http://schemas.openxmlformats.org/drawingml/2006/main" xmlns:r="http://schemas.openxmlformats.org/officeDocument/2006/relationships" xmlns:p="http://schemas.openxmlformats.org/presentationml/2006/main">
   <p:cSld>
     <p:spTree>
@@ -20517,1674 +19987,6 @@
 <file path=ppt/slides/slide2.xml><?xml version="1.0" encoding="utf-8"?>
 <p:sld xmlns:a="http://schemas.openxmlformats.org/drawingml/2006/main" xmlns:r="http://schemas.openxmlformats.org/officeDocument/2006/relationships" xmlns:p="http://schemas.openxmlformats.org/presentationml/2006/main">
   <p:cSld>
-    <p:bg>
-      <p:bgPr>
-        <a:solidFill>
-          <a:schemeClr val="dk1"/>
-        </a:solidFill>
-        <a:effectLst/>
-      </p:bgPr>
-    </p:bg>
-    <p:spTree>
-      <p:nvGrpSpPr>
-        <p:cNvPr id="1" name="Shape 479"/>
-        <p:cNvGrpSpPr/>
-        <p:nvPr/>
-      </p:nvGrpSpPr>
-      <p:grpSpPr>
-        <a:xfrm>
-          <a:off x="0" y="0"/>
-          <a:ext cx="0" cy="0"/>
-          <a:chOff x="0" y="0"/>
-          <a:chExt cx="0" cy="0"/>
-        </a:xfrm>
-      </p:grpSpPr>
-      <p:sp>
-        <p:nvSpPr>
-          <p:cNvPr id="480" name="Google Shape;480;p63"/>
-          <p:cNvSpPr txBox="1">
-            <a:spLocks noGrp="1"/>
-          </p:cNvSpPr>
-          <p:nvPr>
-            <p:ph type="title"/>
-          </p:nvPr>
-        </p:nvSpPr>
-        <p:spPr>
-          <a:xfrm>
-            <a:off x="713250" y="539525"/>
-            <a:ext cx="7717500" cy="572700"/>
-          </a:xfrm>
-          <a:prstGeom prst="rect">
-            <a:avLst/>
-          </a:prstGeom>
-        </p:spPr>
-        <p:txBody>
-          <a:bodyPr spcFirstLastPara="1" wrap="square" lIns="91425" tIns="91425" rIns="91425" bIns="91425" anchor="ctr" anchorCtr="0">
-            <a:noAutofit/>
-          </a:bodyPr>
-          <a:lstStyle/>
-          <a:p>
-            <a:pPr marL="0" lvl="0" indent="0" algn="ctr" rtl="0">
-              <a:spcBef>
-                <a:spcPts val="0"/>
-              </a:spcBef>
-              <a:spcAft>
-                <a:spcPts val="0"/>
-              </a:spcAft>
-              <a:buNone/>
-            </a:pPr>
-            <a:r>
-              <a:rPr lang="en">
-                <a:solidFill>
-                  <a:schemeClr val="lt1"/>
-                </a:solidFill>
-              </a:rPr>
-              <a:t>CONTENTS OF THIS TEMPLATE</a:t>
-            </a:r>
-            <a:endParaRPr>
-              <a:solidFill>
-                <a:schemeClr val="lt1"/>
-              </a:solidFill>
-            </a:endParaRPr>
-          </a:p>
-        </p:txBody>
-      </p:sp>
-      <p:graphicFrame>
-        <p:nvGraphicFramePr>
-          <p:cNvPr id="481" name="Google Shape;481;p63"/>
-          <p:cNvGraphicFramePr/>
-          <p:nvPr/>
-        </p:nvGraphicFramePr>
-        <p:xfrm>
-          <a:off x="998325" y="1787090"/>
-          <a:ext cx="7147325" cy="2103000"/>
-        </p:xfrm>
-        <a:graphic>
-          <a:graphicData uri="http://schemas.openxmlformats.org/drawingml/2006/table">
-            <a:tbl>
-              <a:tblPr>
-                <a:noFill/>
-                <a:tableStyleId>{6492AECE-AF3A-4EBB-9327-117049B4A941}</a:tableStyleId>
-              </a:tblPr>
-              <a:tblGrid>
-                <a:gridCol w="2057250">
-                  <a:extLst>
-                    <a:ext uri="{9D8B030D-6E8A-4147-A177-3AD203B41FA5}">
-                      <a16:colId xmlns:a16="http://schemas.microsoft.com/office/drawing/2014/main" val="20000"/>
-                    </a:ext>
-                  </a:extLst>
-                </a:gridCol>
-                <a:gridCol w="5090075">
-                  <a:extLst>
-                    <a:ext uri="{9D8B030D-6E8A-4147-A177-3AD203B41FA5}">
-                      <a16:colId xmlns:a16="http://schemas.microsoft.com/office/drawing/2014/main" val="20001"/>
-                    </a:ext>
-                  </a:extLst>
-                </a:gridCol>
-              </a:tblGrid>
-              <a:tr h="350500">
-                <a:tc>
-                  <a:txBody>
-                    <a:bodyPr/>
-                    <a:lstStyle/>
-                    <a:p>
-                      <a:pPr marL="0" lvl="0" indent="0" algn="l" rtl="0">
-                        <a:spcBef>
-                          <a:spcPts val="0"/>
-                        </a:spcBef>
-                        <a:spcAft>
-                          <a:spcPts val="0"/>
-                        </a:spcAft>
-                        <a:buNone/>
-                      </a:pPr>
-                      <a:r>
-                        <a:rPr lang="en" sz="1000" b="1">
-                          <a:solidFill>
-                            <a:schemeClr val="hlink"/>
-                          </a:solidFill>
-                          <a:uFill>
-                            <a:noFill/>
-                          </a:uFill>
-                          <a:latin typeface="Roboto"/>
-                          <a:ea typeface="Roboto"/>
-                          <a:cs typeface="Roboto"/>
-                          <a:sym typeface="Roboto"/>
-                          <a:hlinkClick r:id="" action="ppaction://noaction"/>
-                        </a:rPr>
-                        <a:t>Fonts</a:t>
-                      </a:r>
-                      <a:endParaRPr sz="1000" b="1">
-                        <a:solidFill>
-                          <a:schemeClr val="lt1"/>
-                        </a:solidFill>
-                        <a:latin typeface="Roboto"/>
-                        <a:ea typeface="Roboto"/>
-                        <a:cs typeface="Roboto"/>
-                        <a:sym typeface="Roboto"/>
-                      </a:endParaRPr>
-                    </a:p>
-                  </a:txBody>
-                  <a:tcPr marL="91425" marR="91425" marT="91425" marB="91425">
-                    <a:lnL w="38100" cap="flat" cmpd="sng">
-                      <a:solidFill>
-                        <a:schemeClr val="accent1"/>
-                      </a:solidFill>
-                      <a:prstDash val="solid"/>
-                      <a:round/>
-                      <a:headEnd type="none" w="sm" len="sm"/>
-                      <a:tailEnd type="none" w="sm" len="sm"/>
-                    </a:lnL>
-                    <a:lnR w="38100" cap="flat" cmpd="sng">
-                      <a:solidFill>
-                        <a:schemeClr val="accent1"/>
-                      </a:solidFill>
-                      <a:prstDash val="solid"/>
-                      <a:round/>
-                      <a:headEnd type="none" w="sm" len="sm"/>
-                      <a:tailEnd type="none" w="sm" len="sm"/>
-                    </a:lnR>
-                    <a:lnT w="38100" cap="flat" cmpd="sng">
-                      <a:solidFill>
-                        <a:schemeClr val="accent1"/>
-                      </a:solidFill>
-                      <a:prstDash val="solid"/>
-                      <a:round/>
-                      <a:headEnd type="none" w="sm" len="sm"/>
-                      <a:tailEnd type="none" w="sm" len="sm"/>
-                    </a:lnT>
-                    <a:lnB w="38100" cap="flat" cmpd="sng">
-                      <a:solidFill>
-                        <a:schemeClr val="accent1"/>
-                      </a:solidFill>
-                      <a:prstDash val="solid"/>
-                      <a:round/>
-                      <a:headEnd type="none" w="sm" len="sm"/>
-                      <a:tailEnd type="none" w="sm" len="sm"/>
-                    </a:lnB>
-                  </a:tcPr>
-                </a:tc>
-                <a:tc>
-                  <a:txBody>
-                    <a:bodyPr/>
-                    <a:lstStyle/>
-                    <a:p>
-                      <a:pPr marL="0" lvl="0" indent="0" algn="l" rtl="0">
-                        <a:spcBef>
-                          <a:spcPts val="0"/>
-                        </a:spcBef>
-                        <a:spcAft>
-                          <a:spcPts val="1600"/>
-                        </a:spcAft>
-                        <a:buNone/>
-                      </a:pPr>
-                      <a:r>
-                        <a:rPr lang="en" sz="1000">
-                          <a:solidFill>
-                            <a:schemeClr val="lt1"/>
-                          </a:solidFill>
-                          <a:latin typeface="Roboto"/>
-                          <a:ea typeface="Roboto"/>
-                          <a:cs typeface="Roboto"/>
-                          <a:sym typeface="Roboto"/>
-                        </a:rPr>
-                        <a:t>To view this template correctly in PowerPoint, download and install the fonts we used</a:t>
-                      </a:r>
-                      <a:endParaRPr sz="1000">
-                        <a:solidFill>
-                          <a:schemeClr val="lt1"/>
-                        </a:solidFill>
-                        <a:latin typeface="Roboto"/>
-                        <a:ea typeface="Roboto"/>
-                        <a:cs typeface="Roboto"/>
-                        <a:sym typeface="Roboto"/>
-                      </a:endParaRPr>
-                    </a:p>
-                  </a:txBody>
-                  <a:tcPr marL="91425" marR="91425" marT="91425" marB="91425">
-                    <a:lnL w="38100" cap="flat" cmpd="sng">
-                      <a:solidFill>
-                        <a:schemeClr val="accent1"/>
-                      </a:solidFill>
-                      <a:prstDash val="solid"/>
-                      <a:round/>
-                      <a:headEnd type="none" w="sm" len="sm"/>
-                      <a:tailEnd type="none" w="sm" len="sm"/>
-                    </a:lnL>
-                    <a:lnR w="38100" cap="flat" cmpd="sng">
-                      <a:solidFill>
-                        <a:schemeClr val="accent1"/>
-                      </a:solidFill>
-                      <a:prstDash val="solid"/>
-                      <a:round/>
-                      <a:headEnd type="none" w="sm" len="sm"/>
-                      <a:tailEnd type="none" w="sm" len="sm"/>
-                    </a:lnR>
-                    <a:lnT w="38100" cap="flat" cmpd="sng">
-                      <a:solidFill>
-                        <a:schemeClr val="accent1"/>
-                      </a:solidFill>
-                      <a:prstDash val="solid"/>
-                      <a:round/>
-                      <a:headEnd type="none" w="sm" len="sm"/>
-                      <a:tailEnd type="none" w="sm" len="sm"/>
-                    </a:lnT>
-                    <a:lnB w="38100" cap="flat" cmpd="sng">
-                      <a:solidFill>
-                        <a:schemeClr val="accent1"/>
-                      </a:solidFill>
-                      <a:prstDash val="solid"/>
-                      <a:round/>
-                      <a:headEnd type="none" w="sm" len="sm"/>
-                      <a:tailEnd type="none" w="sm" len="sm"/>
-                    </a:lnB>
-                  </a:tcPr>
-                </a:tc>
-                <a:extLst>
-                  <a:ext uri="{0D108BD9-81ED-4DB2-BD59-A6C34878D82A}">
-                    <a16:rowId xmlns:a16="http://schemas.microsoft.com/office/drawing/2014/main" val="10000"/>
-                  </a:ext>
-                </a:extLst>
-              </a:tr>
-              <a:tr h="350500">
-                <a:tc>
-                  <a:txBody>
-                    <a:bodyPr/>
-                    <a:lstStyle/>
-                    <a:p>
-                      <a:pPr marL="0" lvl="0" indent="0" algn="l" rtl="0">
-                        <a:spcBef>
-                          <a:spcPts val="0"/>
-                        </a:spcBef>
-                        <a:spcAft>
-                          <a:spcPts val="0"/>
-                        </a:spcAft>
-                        <a:buNone/>
-                      </a:pPr>
-                      <a:r>
-                        <a:rPr lang="en" sz="1000" b="1">
-                          <a:solidFill>
-                            <a:schemeClr val="hlink"/>
-                          </a:solidFill>
-                          <a:uFill>
-                            <a:noFill/>
-                          </a:uFill>
-                          <a:latin typeface="Roboto"/>
-                          <a:ea typeface="Roboto"/>
-                          <a:cs typeface="Roboto"/>
-                          <a:sym typeface="Roboto"/>
-                          <a:hlinkClick r:id="" action="ppaction://noaction"/>
-                        </a:rPr>
-                        <a:t>Used</a:t>
-                      </a:r>
-                      <a:r>
-                        <a:rPr lang="en" sz="1000" b="1">
-                          <a:solidFill>
-                            <a:schemeClr val="lt1"/>
-                          </a:solidFill>
-                          <a:latin typeface="Roboto"/>
-                          <a:ea typeface="Roboto"/>
-                          <a:cs typeface="Roboto"/>
-                          <a:sym typeface="Roboto"/>
-                        </a:rPr>
-                        <a:t> and </a:t>
-                      </a:r>
-                      <a:r>
-                        <a:rPr lang="en" sz="1000" b="1">
-                          <a:solidFill>
-                            <a:schemeClr val="hlink"/>
-                          </a:solidFill>
-                          <a:uFill>
-                            <a:noFill/>
-                          </a:uFill>
-                          <a:latin typeface="Roboto"/>
-                          <a:ea typeface="Roboto"/>
-                          <a:cs typeface="Roboto"/>
-                          <a:sym typeface="Roboto"/>
-                          <a:hlinkClick r:id="" action="ppaction://noaction"/>
-                        </a:rPr>
-                        <a:t>alternative resources</a:t>
-                      </a:r>
-                      <a:endParaRPr sz="1000" b="1">
-                        <a:solidFill>
-                          <a:schemeClr val="lt1"/>
-                        </a:solidFill>
-                        <a:latin typeface="Roboto"/>
-                        <a:ea typeface="Roboto"/>
-                        <a:cs typeface="Roboto"/>
-                        <a:sym typeface="Roboto"/>
-                      </a:endParaRPr>
-                    </a:p>
-                  </a:txBody>
-                  <a:tcPr marL="91425" marR="91425" marT="91425" marB="91425">
-                    <a:lnL w="38100" cap="flat" cmpd="sng">
-                      <a:solidFill>
-                        <a:schemeClr val="accent1"/>
-                      </a:solidFill>
-                      <a:prstDash val="solid"/>
-                      <a:round/>
-                      <a:headEnd type="none" w="sm" len="sm"/>
-                      <a:tailEnd type="none" w="sm" len="sm"/>
-                    </a:lnL>
-                    <a:lnR w="38100" cap="flat" cmpd="sng">
-                      <a:solidFill>
-                        <a:schemeClr val="accent1"/>
-                      </a:solidFill>
-                      <a:prstDash val="solid"/>
-                      <a:round/>
-                      <a:headEnd type="none" w="sm" len="sm"/>
-                      <a:tailEnd type="none" w="sm" len="sm"/>
-                    </a:lnR>
-                    <a:lnT w="38100" cap="flat" cmpd="sng">
-                      <a:solidFill>
-                        <a:schemeClr val="accent1"/>
-                      </a:solidFill>
-                      <a:prstDash val="solid"/>
-                      <a:round/>
-                      <a:headEnd type="none" w="sm" len="sm"/>
-                      <a:tailEnd type="none" w="sm" len="sm"/>
-                    </a:lnT>
-                    <a:lnB w="38100" cap="flat" cmpd="sng">
-                      <a:solidFill>
-                        <a:schemeClr val="accent1"/>
-                      </a:solidFill>
-                      <a:prstDash val="solid"/>
-                      <a:round/>
-                      <a:headEnd type="none" w="sm" len="sm"/>
-                      <a:tailEnd type="none" w="sm" len="sm"/>
-                    </a:lnB>
-                  </a:tcPr>
-                </a:tc>
-                <a:tc>
-                  <a:txBody>
-                    <a:bodyPr/>
-                    <a:lstStyle/>
-                    <a:p>
-                      <a:pPr marL="0" marR="0" lvl="0" indent="0" algn="l" rtl="0">
-                        <a:lnSpc>
-                          <a:spcPct val="100000"/>
-                        </a:lnSpc>
-                        <a:spcBef>
-                          <a:spcPts val="0"/>
-                        </a:spcBef>
-                        <a:spcAft>
-                          <a:spcPts val="1600"/>
-                        </a:spcAft>
-                        <a:buNone/>
-                      </a:pPr>
-                      <a:r>
-                        <a:rPr lang="en" sz="1000">
-                          <a:solidFill>
-                            <a:schemeClr val="lt1"/>
-                          </a:solidFill>
-                          <a:latin typeface="Roboto"/>
-                          <a:ea typeface="Roboto"/>
-                          <a:cs typeface="Roboto"/>
-                          <a:sym typeface="Roboto"/>
-                        </a:rPr>
-                        <a:t>An assortment of graphic resources that are suitable for use in this presentation</a:t>
-                      </a:r>
-                      <a:endParaRPr sz="1000">
-                        <a:solidFill>
-                          <a:schemeClr val="lt1"/>
-                        </a:solidFill>
-                        <a:latin typeface="Roboto"/>
-                        <a:ea typeface="Roboto"/>
-                        <a:cs typeface="Roboto"/>
-                        <a:sym typeface="Roboto"/>
-                      </a:endParaRPr>
-                    </a:p>
-                  </a:txBody>
-                  <a:tcPr marL="91425" marR="91425" marT="91425" marB="91425">
-                    <a:lnL w="38100" cap="flat" cmpd="sng">
-                      <a:solidFill>
-                        <a:schemeClr val="accent1"/>
-                      </a:solidFill>
-                      <a:prstDash val="solid"/>
-                      <a:round/>
-                      <a:headEnd type="none" w="sm" len="sm"/>
-                      <a:tailEnd type="none" w="sm" len="sm"/>
-                    </a:lnL>
-                    <a:lnR w="38100" cap="flat" cmpd="sng">
-                      <a:solidFill>
-                        <a:schemeClr val="accent1"/>
-                      </a:solidFill>
-                      <a:prstDash val="solid"/>
-                      <a:round/>
-                      <a:headEnd type="none" w="sm" len="sm"/>
-                      <a:tailEnd type="none" w="sm" len="sm"/>
-                    </a:lnR>
-                    <a:lnT w="38100" cap="flat" cmpd="sng">
-                      <a:solidFill>
-                        <a:schemeClr val="accent1"/>
-                      </a:solidFill>
-                      <a:prstDash val="solid"/>
-                      <a:round/>
-                      <a:headEnd type="none" w="sm" len="sm"/>
-                      <a:tailEnd type="none" w="sm" len="sm"/>
-                    </a:lnT>
-                    <a:lnB w="38100" cap="flat" cmpd="sng">
-                      <a:solidFill>
-                        <a:schemeClr val="accent1"/>
-                      </a:solidFill>
-                      <a:prstDash val="solid"/>
-                      <a:round/>
-                      <a:headEnd type="none" w="sm" len="sm"/>
-                      <a:tailEnd type="none" w="sm" len="sm"/>
-                    </a:lnB>
-                  </a:tcPr>
-                </a:tc>
-                <a:extLst>
-                  <a:ext uri="{0D108BD9-81ED-4DB2-BD59-A6C34878D82A}">
-                    <a16:rowId xmlns:a16="http://schemas.microsoft.com/office/drawing/2014/main" val="10001"/>
-                  </a:ext>
-                </a:extLst>
-              </a:tr>
-              <a:tr h="350500">
-                <a:tc>
-                  <a:txBody>
-                    <a:bodyPr/>
-                    <a:lstStyle/>
-                    <a:p>
-                      <a:pPr marL="0" lvl="0" indent="0" algn="l" rtl="0">
-                        <a:spcBef>
-                          <a:spcPts val="0"/>
-                        </a:spcBef>
-                        <a:spcAft>
-                          <a:spcPts val="0"/>
-                        </a:spcAft>
-                        <a:buNone/>
-                      </a:pPr>
-                      <a:r>
-                        <a:rPr lang="en" sz="1000" b="1">
-                          <a:solidFill>
-                            <a:schemeClr val="hlink"/>
-                          </a:solidFill>
-                          <a:uFill>
-                            <a:noFill/>
-                          </a:uFill>
-                          <a:latin typeface="Roboto"/>
-                          <a:ea typeface="Roboto"/>
-                          <a:cs typeface="Roboto"/>
-                          <a:sym typeface="Roboto"/>
-                          <a:hlinkClick r:id="" action="ppaction://noaction"/>
-                        </a:rPr>
-                        <a:t>Thanks slide</a:t>
-                      </a:r>
-                      <a:endParaRPr sz="1000" b="1">
-                        <a:solidFill>
-                          <a:schemeClr val="lt1"/>
-                        </a:solidFill>
-                        <a:latin typeface="Roboto"/>
-                        <a:ea typeface="Roboto"/>
-                        <a:cs typeface="Roboto"/>
-                        <a:sym typeface="Roboto"/>
-                      </a:endParaRPr>
-                    </a:p>
-                  </a:txBody>
-                  <a:tcPr marL="91425" marR="91425" marT="91425" marB="91425">
-                    <a:lnL w="38100" cap="flat" cmpd="sng">
-                      <a:solidFill>
-                        <a:schemeClr val="accent1"/>
-                      </a:solidFill>
-                      <a:prstDash val="solid"/>
-                      <a:round/>
-                      <a:headEnd type="none" w="sm" len="sm"/>
-                      <a:tailEnd type="none" w="sm" len="sm"/>
-                    </a:lnL>
-                    <a:lnR w="38100" cap="flat" cmpd="sng">
-                      <a:solidFill>
-                        <a:schemeClr val="accent1"/>
-                      </a:solidFill>
-                      <a:prstDash val="solid"/>
-                      <a:round/>
-                      <a:headEnd type="none" w="sm" len="sm"/>
-                      <a:tailEnd type="none" w="sm" len="sm"/>
-                    </a:lnR>
-                    <a:lnT w="38100" cap="flat" cmpd="sng">
-                      <a:solidFill>
-                        <a:schemeClr val="accent1"/>
-                      </a:solidFill>
-                      <a:prstDash val="solid"/>
-                      <a:round/>
-                      <a:headEnd type="none" w="sm" len="sm"/>
-                      <a:tailEnd type="none" w="sm" len="sm"/>
-                    </a:lnT>
-                    <a:lnB w="38100" cap="flat" cmpd="sng">
-                      <a:solidFill>
-                        <a:schemeClr val="accent1"/>
-                      </a:solidFill>
-                      <a:prstDash val="solid"/>
-                      <a:round/>
-                      <a:headEnd type="none" w="sm" len="sm"/>
-                      <a:tailEnd type="none" w="sm" len="sm"/>
-                    </a:lnB>
-                  </a:tcPr>
-                </a:tc>
-                <a:tc>
-                  <a:txBody>
-                    <a:bodyPr/>
-                    <a:lstStyle/>
-                    <a:p>
-                      <a:pPr marL="0" lvl="0" indent="0" algn="l" rtl="0">
-                        <a:spcBef>
-                          <a:spcPts val="0"/>
-                        </a:spcBef>
-                        <a:spcAft>
-                          <a:spcPts val="1600"/>
-                        </a:spcAft>
-                        <a:buNone/>
-                      </a:pPr>
-                      <a:r>
-                        <a:rPr lang="en" sz="1000">
-                          <a:solidFill>
-                            <a:schemeClr val="lt1"/>
-                          </a:solidFill>
-                          <a:latin typeface="Roboto"/>
-                          <a:ea typeface="Roboto"/>
-                          <a:cs typeface="Roboto"/>
-                          <a:sym typeface="Roboto"/>
-                        </a:rPr>
-                        <a:t>You must keep it so that proper credits for our design are given</a:t>
-                      </a:r>
-                      <a:endParaRPr sz="1000">
-                        <a:solidFill>
-                          <a:schemeClr val="lt1"/>
-                        </a:solidFill>
-                        <a:latin typeface="Roboto"/>
-                        <a:ea typeface="Roboto"/>
-                        <a:cs typeface="Roboto"/>
-                        <a:sym typeface="Roboto"/>
-                      </a:endParaRPr>
-                    </a:p>
-                  </a:txBody>
-                  <a:tcPr marL="91425" marR="91425" marT="91425" marB="91425">
-                    <a:lnL w="38100" cap="flat" cmpd="sng">
-                      <a:solidFill>
-                        <a:schemeClr val="accent1"/>
-                      </a:solidFill>
-                      <a:prstDash val="solid"/>
-                      <a:round/>
-                      <a:headEnd type="none" w="sm" len="sm"/>
-                      <a:tailEnd type="none" w="sm" len="sm"/>
-                    </a:lnL>
-                    <a:lnR w="38100" cap="flat" cmpd="sng">
-                      <a:solidFill>
-                        <a:schemeClr val="accent1"/>
-                      </a:solidFill>
-                      <a:prstDash val="solid"/>
-                      <a:round/>
-                      <a:headEnd type="none" w="sm" len="sm"/>
-                      <a:tailEnd type="none" w="sm" len="sm"/>
-                    </a:lnR>
-                    <a:lnT w="38100" cap="flat" cmpd="sng">
-                      <a:solidFill>
-                        <a:schemeClr val="accent1"/>
-                      </a:solidFill>
-                      <a:prstDash val="solid"/>
-                      <a:round/>
-                      <a:headEnd type="none" w="sm" len="sm"/>
-                      <a:tailEnd type="none" w="sm" len="sm"/>
-                    </a:lnT>
-                    <a:lnB w="38100" cap="flat" cmpd="sng">
-                      <a:solidFill>
-                        <a:schemeClr val="accent1"/>
-                      </a:solidFill>
-                      <a:prstDash val="solid"/>
-                      <a:round/>
-                      <a:headEnd type="none" w="sm" len="sm"/>
-                      <a:tailEnd type="none" w="sm" len="sm"/>
-                    </a:lnB>
-                  </a:tcPr>
-                </a:tc>
-                <a:extLst>
-                  <a:ext uri="{0D108BD9-81ED-4DB2-BD59-A6C34878D82A}">
-                    <a16:rowId xmlns:a16="http://schemas.microsoft.com/office/drawing/2014/main" val="10002"/>
-                  </a:ext>
-                </a:extLst>
-              </a:tr>
-              <a:tr h="350500">
-                <a:tc>
-                  <a:txBody>
-                    <a:bodyPr/>
-                    <a:lstStyle/>
-                    <a:p>
-                      <a:pPr marL="0" lvl="0" indent="0" algn="l" rtl="0">
-                        <a:spcBef>
-                          <a:spcPts val="0"/>
-                        </a:spcBef>
-                        <a:spcAft>
-                          <a:spcPts val="0"/>
-                        </a:spcAft>
-                        <a:buNone/>
-                      </a:pPr>
-                      <a:r>
-                        <a:rPr lang="en" sz="1000" b="1">
-                          <a:solidFill>
-                            <a:schemeClr val="hlink"/>
-                          </a:solidFill>
-                          <a:uFill>
-                            <a:noFill/>
-                          </a:uFill>
-                          <a:latin typeface="Roboto"/>
-                          <a:ea typeface="Roboto"/>
-                          <a:cs typeface="Roboto"/>
-                          <a:sym typeface="Roboto"/>
-                          <a:hlinkClick r:id="" action="ppaction://noaction"/>
-                        </a:rPr>
-                        <a:t>Colors</a:t>
-                      </a:r>
-                      <a:endParaRPr sz="1000" b="1">
-                        <a:solidFill>
-                          <a:schemeClr val="lt1"/>
-                        </a:solidFill>
-                        <a:latin typeface="Roboto"/>
-                        <a:ea typeface="Roboto"/>
-                        <a:cs typeface="Roboto"/>
-                        <a:sym typeface="Roboto"/>
-                      </a:endParaRPr>
-                    </a:p>
-                  </a:txBody>
-                  <a:tcPr marL="91425" marR="91425" marT="91425" marB="91425">
-                    <a:lnL w="38100" cap="flat" cmpd="sng">
-                      <a:solidFill>
-                        <a:schemeClr val="accent1"/>
-                      </a:solidFill>
-                      <a:prstDash val="solid"/>
-                      <a:round/>
-                      <a:headEnd type="none" w="sm" len="sm"/>
-                      <a:tailEnd type="none" w="sm" len="sm"/>
-                    </a:lnL>
-                    <a:lnR w="38100" cap="flat" cmpd="sng">
-                      <a:solidFill>
-                        <a:schemeClr val="accent1"/>
-                      </a:solidFill>
-                      <a:prstDash val="solid"/>
-                      <a:round/>
-                      <a:headEnd type="none" w="sm" len="sm"/>
-                      <a:tailEnd type="none" w="sm" len="sm"/>
-                    </a:lnR>
-                    <a:lnT w="38100" cap="flat" cmpd="sng">
-                      <a:solidFill>
-                        <a:schemeClr val="accent1"/>
-                      </a:solidFill>
-                      <a:prstDash val="solid"/>
-                      <a:round/>
-                      <a:headEnd type="none" w="sm" len="sm"/>
-                      <a:tailEnd type="none" w="sm" len="sm"/>
-                    </a:lnT>
-                    <a:lnB w="38100" cap="flat" cmpd="sng">
-                      <a:solidFill>
-                        <a:schemeClr val="accent1"/>
-                      </a:solidFill>
-                      <a:prstDash val="solid"/>
-                      <a:round/>
-                      <a:headEnd type="none" w="sm" len="sm"/>
-                      <a:tailEnd type="none" w="sm" len="sm"/>
-                    </a:lnB>
-                  </a:tcPr>
-                </a:tc>
-                <a:tc>
-                  <a:txBody>
-                    <a:bodyPr/>
-                    <a:lstStyle/>
-                    <a:p>
-                      <a:pPr marL="0" lvl="0" indent="0" algn="l" rtl="0">
-                        <a:spcBef>
-                          <a:spcPts val="0"/>
-                        </a:spcBef>
-                        <a:spcAft>
-                          <a:spcPts val="1600"/>
-                        </a:spcAft>
-                        <a:buNone/>
-                      </a:pPr>
-                      <a:r>
-                        <a:rPr lang="en" sz="1000">
-                          <a:solidFill>
-                            <a:schemeClr val="lt1"/>
-                          </a:solidFill>
-                          <a:latin typeface="Roboto"/>
-                          <a:ea typeface="Roboto"/>
-                          <a:cs typeface="Roboto"/>
-                          <a:sym typeface="Roboto"/>
-                        </a:rPr>
-                        <a:t>All the colors used in this presentation</a:t>
-                      </a:r>
-                      <a:endParaRPr sz="1000">
-                        <a:solidFill>
-                          <a:schemeClr val="lt1"/>
-                        </a:solidFill>
-                        <a:latin typeface="Roboto"/>
-                        <a:ea typeface="Roboto"/>
-                        <a:cs typeface="Roboto"/>
-                        <a:sym typeface="Roboto"/>
-                      </a:endParaRPr>
-                    </a:p>
-                  </a:txBody>
-                  <a:tcPr marL="91425" marR="91425" marT="91425" marB="91425">
-                    <a:lnL w="38100" cap="flat" cmpd="sng">
-                      <a:solidFill>
-                        <a:schemeClr val="accent1"/>
-                      </a:solidFill>
-                      <a:prstDash val="solid"/>
-                      <a:round/>
-                      <a:headEnd type="none" w="sm" len="sm"/>
-                      <a:tailEnd type="none" w="sm" len="sm"/>
-                    </a:lnL>
-                    <a:lnR w="38100" cap="flat" cmpd="sng">
-                      <a:solidFill>
-                        <a:schemeClr val="accent1"/>
-                      </a:solidFill>
-                      <a:prstDash val="solid"/>
-                      <a:round/>
-                      <a:headEnd type="none" w="sm" len="sm"/>
-                      <a:tailEnd type="none" w="sm" len="sm"/>
-                    </a:lnR>
-                    <a:lnT w="38100" cap="flat" cmpd="sng">
-                      <a:solidFill>
-                        <a:schemeClr val="accent1"/>
-                      </a:solidFill>
-                      <a:prstDash val="solid"/>
-                      <a:round/>
-                      <a:headEnd type="none" w="sm" len="sm"/>
-                      <a:tailEnd type="none" w="sm" len="sm"/>
-                    </a:lnT>
-                    <a:lnB w="38100" cap="flat" cmpd="sng">
-                      <a:solidFill>
-                        <a:schemeClr val="accent1"/>
-                      </a:solidFill>
-                      <a:prstDash val="solid"/>
-                      <a:round/>
-                      <a:headEnd type="none" w="sm" len="sm"/>
-                      <a:tailEnd type="none" w="sm" len="sm"/>
-                    </a:lnB>
-                  </a:tcPr>
-                </a:tc>
-                <a:extLst>
-                  <a:ext uri="{0D108BD9-81ED-4DB2-BD59-A6C34878D82A}">
-                    <a16:rowId xmlns:a16="http://schemas.microsoft.com/office/drawing/2014/main" val="10003"/>
-                  </a:ext>
-                </a:extLst>
-              </a:tr>
-              <a:tr h="350500">
-                <a:tc>
-                  <a:txBody>
-                    <a:bodyPr/>
-                    <a:lstStyle/>
-                    <a:p>
-                      <a:pPr marL="0" lvl="0" indent="0" algn="l" rtl="0">
-                        <a:spcBef>
-                          <a:spcPts val="0"/>
-                        </a:spcBef>
-                        <a:spcAft>
-                          <a:spcPts val="0"/>
-                        </a:spcAft>
-                        <a:buNone/>
-                      </a:pPr>
-                      <a:r>
-                        <a:rPr lang="en" sz="1000" b="1">
-                          <a:solidFill>
-                            <a:schemeClr val="hlink"/>
-                          </a:solidFill>
-                          <a:uFill>
-                            <a:noFill/>
-                          </a:uFill>
-                          <a:latin typeface="Roboto"/>
-                          <a:ea typeface="Roboto"/>
-                          <a:cs typeface="Roboto"/>
-                          <a:sym typeface="Roboto"/>
-                          <a:hlinkClick r:id="" action="ppaction://noaction"/>
-                        </a:rPr>
-                        <a:t>Icons</a:t>
-                      </a:r>
-                      <a:r>
-                        <a:rPr lang="en" sz="1000" b="1">
-                          <a:solidFill>
-                            <a:schemeClr val="lt1"/>
-                          </a:solidFill>
-                          <a:latin typeface="Roboto"/>
-                          <a:ea typeface="Roboto"/>
-                          <a:cs typeface="Roboto"/>
-                          <a:sym typeface="Roboto"/>
-                        </a:rPr>
-                        <a:t> and </a:t>
-                      </a:r>
-                      <a:r>
-                        <a:rPr lang="en" sz="1000" b="1">
-                          <a:solidFill>
-                            <a:schemeClr val="hlink"/>
-                          </a:solidFill>
-                          <a:uFill>
-                            <a:noFill/>
-                          </a:uFill>
-                          <a:latin typeface="Roboto"/>
-                          <a:ea typeface="Roboto"/>
-                          <a:cs typeface="Roboto"/>
-                          <a:sym typeface="Roboto"/>
-                          <a:hlinkClick r:id="" action="ppaction://noaction"/>
-                        </a:rPr>
-                        <a:t>infographic resources</a:t>
-                      </a:r>
-                      <a:endParaRPr sz="1000" b="1">
-                        <a:solidFill>
-                          <a:schemeClr val="lt1"/>
-                        </a:solidFill>
-                        <a:latin typeface="Roboto"/>
-                        <a:ea typeface="Roboto"/>
-                        <a:cs typeface="Roboto"/>
-                        <a:sym typeface="Roboto"/>
-                      </a:endParaRPr>
-                    </a:p>
-                  </a:txBody>
-                  <a:tcPr marL="91425" marR="91425" marT="91425" marB="91425">
-                    <a:lnL w="38100" cap="flat" cmpd="sng">
-                      <a:solidFill>
-                        <a:schemeClr val="accent1"/>
-                      </a:solidFill>
-                      <a:prstDash val="solid"/>
-                      <a:round/>
-                      <a:headEnd type="none" w="sm" len="sm"/>
-                      <a:tailEnd type="none" w="sm" len="sm"/>
-                    </a:lnL>
-                    <a:lnR w="38100" cap="flat" cmpd="sng">
-                      <a:solidFill>
-                        <a:schemeClr val="accent1"/>
-                      </a:solidFill>
-                      <a:prstDash val="solid"/>
-                      <a:round/>
-                      <a:headEnd type="none" w="sm" len="sm"/>
-                      <a:tailEnd type="none" w="sm" len="sm"/>
-                    </a:lnR>
-                    <a:lnT w="38100" cap="flat" cmpd="sng">
-                      <a:solidFill>
-                        <a:schemeClr val="accent1"/>
-                      </a:solidFill>
-                      <a:prstDash val="solid"/>
-                      <a:round/>
-                      <a:headEnd type="none" w="sm" len="sm"/>
-                      <a:tailEnd type="none" w="sm" len="sm"/>
-                    </a:lnT>
-                    <a:lnB w="38100" cap="flat" cmpd="sng">
-                      <a:solidFill>
-                        <a:schemeClr val="accent1"/>
-                      </a:solidFill>
-                      <a:prstDash val="solid"/>
-                      <a:round/>
-                      <a:headEnd type="none" w="sm" len="sm"/>
-                      <a:tailEnd type="none" w="sm" len="sm"/>
-                    </a:lnB>
-                  </a:tcPr>
-                </a:tc>
-                <a:tc>
-                  <a:txBody>
-                    <a:bodyPr/>
-                    <a:lstStyle/>
-                    <a:p>
-                      <a:pPr marL="0" lvl="0" indent="0" algn="l" rtl="0">
-                        <a:spcBef>
-                          <a:spcPts val="0"/>
-                        </a:spcBef>
-                        <a:spcAft>
-                          <a:spcPts val="0"/>
-                        </a:spcAft>
-                        <a:buNone/>
-                      </a:pPr>
-                      <a:r>
-                        <a:rPr lang="en" sz="1000">
-                          <a:solidFill>
-                            <a:schemeClr val="lt1"/>
-                          </a:solidFill>
-                          <a:latin typeface="Roboto"/>
-                          <a:ea typeface="Roboto"/>
-                          <a:cs typeface="Roboto"/>
-                          <a:sym typeface="Roboto"/>
-                        </a:rPr>
-                        <a:t>These can be used in the template, and their size and color can be edited</a:t>
-                      </a:r>
-                      <a:endParaRPr sz="1000">
-                        <a:solidFill>
-                          <a:schemeClr val="lt1"/>
-                        </a:solidFill>
-                        <a:latin typeface="Roboto"/>
-                        <a:ea typeface="Roboto"/>
-                        <a:cs typeface="Roboto"/>
-                        <a:sym typeface="Roboto"/>
-                      </a:endParaRPr>
-                    </a:p>
-                  </a:txBody>
-                  <a:tcPr marL="91425" marR="91425" marT="91425" marB="91425">
-                    <a:lnL w="38100" cap="flat" cmpd="sng">
-                      <a:solidFill>
-                        <a:schemeClr val="accent1"/>
-                      </a:solidFill>
-                      <a:prstDash val="solid"/>
-                      <a:round/>
-                      <a:headEnd type="none" w="sm" len="sm"/>
-                      <a:tailEnd type="none" w="sm" len="sm"/>
-                    </a:lnL>
-                    <a:lnR w="38100" cap="flat" cmpd="sng">
-                      <a:solidFill>
-                        <a:schemeClr val="accent1"/>
-                      </a:solidFill>
-                      <a:prstDash val="solid"/>
-                      <a:round/>
-                      <a:headEnd type="none" w="sm" len="sm"/>
-                      <a:tailEnd type="none" w="sm" len="sm"/>
-                    </a:lnR>
-                    <a:lnT w="38100" cap="flat" cmpd="sng">
-                      <a:solidFill>
-                        <a:schemeClr val="accent1"/>
-                      </a:solidFill>
-                      <a:prstDash val="solid"/>
-                      <a:round/>
-                      <a:headEnd type="none" w="sm" len="sm"/>
-                      <a:tailEnd type="none" w="sm" len="sm"/>
-                    </a:lnT>
-                    <a:lnB w="38100" cap="flat" cmpd="sng">
-                      <a:solidFill>
-                        <a:schemeClr val="accent1"/>
-                      </a:solidFill>
-                      <a:prstDash val="solid"/>
-                      <a:round/>
-                      <a:headEnd type="none" w="sm" len="sm"/>
-                      <a:tailEnd type="none" w="sm" len="sm"/>
-                    </a:lnB>
-                  </a:tcPr>
-                </a:tc>
-                <a:extLst>
-                  <a:ext uri="{0D108BD9-81ED-4DB2-BD59-A6C34878D82A}">
-                    <a16:rowId xmlns:a16="http://schemas.microsoft.com/office/drawing/2014/main" val="10004"/>
-                  </a:ext>
-                </a:extLst>
-              </a:tr>
-              <a:tr h="350500">
-                <a:tc>
-                  <a:txBody>
-                    <a:bodyPr/>
-                    <a:lstStyle/>
-                    <a:p>
-                      <a:pPr marL="0" lvl="0" indent="0" algn="l" rtl="0">
-                        <a:spcBef>
-                          <a:spcPts val="0"/>
-                        </a:spcBef>
-                        <a:spcAft>
-                          <a:spcPts val="0"/>
-                        </a:spcAft>
-                        <a:buNone/>
-                      </a:pPr>
-                      <a:r>
-                        <a:rPr lang="en" sz="1000" b="1">
-                          <a:solidFill>
-                            <a:schemeClr val="lt1"/>
-                          </a:solidFill>
-                          <a:latin typeface="Roboto"/>
-                          <a:ea typeface="Roboto"/>
-                          <a:cs typeface="Roboto"/>
-                          <a:sym typeface="Roboto"/>
-                        </a:rPr>
-                        <a:t>Editable presentation theme </a:t>
-                      </a:r>
-                      <a:endParaRPr sz="1000" b="1">
-                        <a:solidFill>
-                          <a:schemeClr val="lt1"/>
-                        </a:solidFill>
-                        <a:latin typeface="Roboto"/>
-                        <a:ea typeface="Roboto"/>
-                        <a:cs typeface="Roboto"/>
-                        <a:sym typeface="Roboto"/>
-                      </a:endParaRPr>
-                    </a:p>
-                  </a:txBody>
-                  <a:tcPr marL="91425" marR="91425" marT="91425" marB="91425">
-                    <a:lnL w="38100" cap="flat" cmpd="sng">
-                      <a:solidFill>
-                        <a:schemeClr val="accent1"/>
-                      </a:solidFill>
-                      <a:prstDash val="solid"/>
-                      <a:round/>
-                      <a:headEnd type="none" w="sm" len="sm"/>
-                      <a:tailEnd type="none" w="sm" len="sm"/>
-                    </a:lnL>
-                    <a:lnR w="38100" cap="flat" cmpd="sng">
-                      <a:solidFill>
-                        <a:schemeClr val="accent1"/>
-                      </a:solidFill>
-                      <a:prstDash val="solid"/>
-                      <a:round/>
-                      <a:headEnd type="none" w="sm" len="sm"/>
-                      <a:tailEnd type="none" w="sm" len="sm"/>
-                    </a:lnR>
-                    <a:lnT w="38100" cap="flat" cmpd="sng">
-                      <a:solidFill>
-                        <a:schemeClr val="accent1"/>
-                      </a:solidFill>
-                      <a:prstDash val="solid"/>
-                      <a:round/>
-                      <a:headEnd type="none" w="sm" len="sm"/>
-                      <a:tailEnd type="none" w="sm" len="sm"/>
-                    </a:lnT>
-                    <a:lnB w="38100" cap="flat" cmpd="sng">
-                      <a:solidFill>
-                        <a:schemeClr val="accent1"/>
-                      </a:solidFill>
-                      <a:prstDash val="solid"/>
-                      <a:round/>
-                      <a:headEnd type="none" w="sm" len="sm"/>
-                      <a:tailEnd type="none" w="sm" len="sm"/>
-                    </a:lnB>
-                  </a:tcPr>
-                </a:tc>
-                <a:tc>
-                  <a:txBody>
-                    <a:bodyPr/>
-                    <a:lstStyle/>
-                    <a:p>
-                      <a:pPr marL="0" lvl="0" indent="0" algn="l" rtl="0">
-                        <a:spcBef>
-                          <a:spcPts val="0"/>
-                        </a:spcBef>
-                        <a:spcAft>
-                          <a:spcPts val="1600"/>
-                        </a:spcAft>
-                        <a:buNone/>
-                      </a:pPr>
-                      <a:r>
-                        <a:rPr lang="en" sz="1000">
-                          <a:solidFill>
-                            <a:schemeClr val="lt1"/>
-                          </a:solidFill>
-                          <a:latin typeface="Roboto"/>
-                          <a:ea typeface="Roboto"/>
-                          <a:cs typeface="Roboto"/>
-                          <a:sym typeface="Roboto"/>
-                        </a:rPr>
-                        <a:t>You can edit the master slides easily. For more info, click </a:t>
-                      </a:r>
-                      <a:r>
-                        <a:rPr lang="en" sz="1000" b="1" u="sng">
-                          <a:solidFill>
-                            <a:schemeClr val="lt1"/>
-                          </a:solidFill>
-                          <a:latin typeface="Roboto"/>
-                          <a:ea typeface="Roboto"/>
-                          <a:cs typeface="Roboto"/>
-                          <a:sym typeface="Roboto"/>
-                          <a:hlinkClick r:id="rId3">
-                            <a:extLst>
-                              <a:ext uri="{A12FA001-AC4F-418D-AE19-62706E023703}">
-                                <ahyp:hlinkClr xmlns:ahyp="http://schemas.microsoft.com/office/drawing/2018/hyperlinkcolor" val="tx"/>
-                              </a:ext>
-                            </a:extLst>
-                          </a:hlinkClick>
-                        </a:rPr>
-                        <a:t>here</a:t>
-                      </a:r>
-                      <a:endParaRPr sz="1000">
-                        <a:solidFill>
-                          <a:schemeClr val="lt1"/>
-                        </a:solidFill>
-                        <a:latin typeface="Roboto"/>
-                        <a:ea typeface="Roboto"/>
-                        <a:cs typeface="Roboto"/>
-                        <a:sym typeface="Roboto"/>
-                      </a:endParaRPr>
-                    </a:p>
-                  </a:txBody>
-                  <a:tcPr marL="91425" marR="91425" marT="91425" marB="91425">
-                    <a:lnL w="38100" cap="flat" cmpd="sng">
-                      <a:solidFill>
-                        <a:schemeClr val="accent1"/>
-                      </a:solidFill>
-                      <a:prstDash val="solid"/>
-                      <a:round/>
-                      <a:headEnd type="none" w="sm" len="sm"/>
-                      <a:tailEnd type="none" w="sm" len="sm"/>
-                    </a:lnL>
-                    <a:lnR w="38100" cap="flat" cmpd="sng">
-                      <a:solidFill>
-                        <a:schemeClr val="accent1"/>
-                      </a:solidFill>
-                      <a:prstDash val="solid"/>
-                      <a:round/>
-                      <a:headEnd type="none" w="sm" len="sm"/>
-                      <a:tailEnd type="none" w="sm" len="sm"/>
-                    </a:lnR>
-                    <a:lnT w="38100" cap="flat" cmpd="sng">
-                      <a:solidFill>
-                        <a:schemeClr val="accent1"/>
-                      </a:solidFill>
-                      <a:prstDash val="solid"/>
-                      <a:round/>
-                      <a:headEnd type="none" w="sm" len="sm"/>
-                      <a:tailEnd type="none" w="sm" len="sm"/>
-                    </a:lnT>
-                    <a:lnB w="38100" cap="flat" cmpd="sng">
-                      <a:solidFill>
-                        <a:schemeClr val="accent1"/>
-                      </a:solidFill>
-                      <a:prstDash val="solid"/>
-                      <a:round/>
-                      <a:headEnd type="none" w="sm" len="sm"/>
-                      <a:tailEnd type="none" w="sm" len="sm"/>
-                    </a:lnB>
-                  </a:tcPr>
-                </a:tc>
-                <a:extLst>
-                  <a:ext uri="{0D108BD9-81ED-4DB2-BD59-A6C34878D82A}">
-                    <a16:rowId xmlns:a16="http://schemas.microsoft.com/office/drawing/2014/main" val="10005"/>
-                  </a:ext>
-                </a:extLst>
-              </a:tr>
-            </a:tbl>
-          </a:graphicData>
-        </a:graphic>
-      </p:graphicFrame>
-      <p:sp>
-        <p:nvSpPr>
-          <p:cNvPr id="482" name="Google Shape;482;p63"/>
-          <p:cNvSpPr txBox="1"/>
-          <p:nvPr/>
-        </p:nvSpPr>
-        <p:spPr>
-          <a:xfrm>
-            <a:off x="998350" y="1256813"/>
-            <a:ext cx="7147200" cy="479700"/>
-          </a:xfrm>
-          <a:prstGeom prst="rect">
-            <a:avLst/>
-          </a:prstGeom>
-          <a:noFill/>
-          <a:ln>
-            <a:noFill/>
-          </a:ln>
-        </p:spPr>
-        <p:txBody>
-          <a:bodyPr spcFirstLastPara="1" wrap="square" lIns="91425" tIns="91425" rIns="0" bIns="91425" anchor="t" anchorCtr="0">
-            <a:noAutofit/>
-          </a:bodyPr>
-          <a:lstStyle/>
-          <a:p>
-            <a:pPr marL="0" lvl="0" indent="0" algn="l" rtl="0">
-              <a:spcBef>
-                <a:spcPts val="0"/>
-              </a:spcBef>
-              <a:spcAft>
-                <a:spcPts val="0"/>
-              </a:spcAft>
-              <a:buNone/>
-            </a:pPr>
-            <a:r>
-              <a:rPr lang="en" sz="1200">
-                <a:solidFill>
-                  <a:schemeClr val="lt1"/>
-                </a:solidFill>
-                <a:latin typeface="Roboto"/>
-                <a:ea typeface="Roboto"/>
-                <a:cs typeface="Roboto"/>
-                <a:sym typeface="Roboto"/>
-              </a:rPr>
-              <a:t>You can delete this slide when you’re done editing the presentation</a:t>
-            </a:r>
-            <a:endParaRPr sz="1200" b="1">
-              <a:solidFill>
-                <a:schemeClr val="lt1"/>
-              </a:solidFill>
-              <a:latin typeface="Roboto"/>
-              <a:ea typeface="Roboto"/>
-              <a:cs typeface="Roboto"/>
-              <a:sym typeface="Roboto"/>
-            </a:endParaRPr>
-          </a:p>
-        </p:txBody>
-      </p:sp>
-      <p:sp>
-        <p:nvSpPr>
-          <p:cNvPr id="483" name="Google Shape;483;p63"/>
-          <p:cNvSpPr txBox="1"/>
-          <p:nvPr/>
-        </p:nvSpPr>
-        <p:spPr>
-          <a:xfrm>
-            <a:off x="1328413" y="3995400"/>
-            <a:ext cx="3000000" cy="461700"/>
-          </a:xfrm>
-          <a:prstGeom prst="rect">
-            <a:avLst/>
-          </a:prstGeom>
-          <a:noFill/>
-          <a:ln>
-            <a:noFill/>
-          </a:ln>
-        </p:spPr>
-        <p:txBody>
-          <a:bodyPr spcFirstLastPara="1" wrap="square" lIns="91425" tIns="91425" rIns="91425" bIns="91425" anchor="t" anchorCtr="0">
-            <a:noAutofit/>
-          </a:bodyPr>
-          <a:lstStyle/>
-          <a:p>
-            <a:pPr marL="0" lvl="0" indent="0" algn="ctr" rtl="0">
-              <a:spcBef>
-                <a:spcPts val="0"/>
-              </a:spcBef>
-              <a:spcAft>
-                <a:spcPts val="0"/>
-              </a:spcAft>
-              <a:buNone/>
-            </a:pPr>
-            <a:r>
-              <a:rPr lang="en" sz="800">
-                <a:solidFill>
-                  <a:schemeClr val="lt1"/>
-                </a:solidFill>
-                <a:latin typeface="Roboto"/>
-                <a:ea typeface="Roboto"/>
-                <a:cs typeface="Roboto"/>
-                <a:sym typeface="Roboto"/>
-              </a:rPr>
-              <a:t>For more info:</a:t>
-            </a:r>
-            <a:br>
-              <a:rPr lang="en" sz="800">
-                <a:solidFill>
-                  <a:schemeClr val="lt1"/>
-                </a:solidFill>
-                <a:latin typeface="Roboto"/>
-                <a:ea typeface="Roboto"/>
-                <a:cs typeface="Roboto"/>
-                <a:sym typeface="Roboto"/>
-              </a:rPr>
-            </a:br>
-            <a:r>
-              <a:rPr lang="en" sz="1000" u="sng">
-                <a:solidFill>
-                  <a:schemeClr val="lt1"/>
-                </a:solidFill>
-                <a:latin typeface="Roboto"/>
-                <a:ea typeface="Roboto"/>
-                <a:cs typeface="Roboto"/>
-                <a:sym typeface="Roboto"/>
-                <a:hlinkClick r:id="rId4">
-                  <a:extLst>
-                    <a:ext uri="{A12FA001-AC4F-418D-AE19-62706E023703}">
-                      <ahyp:hlinkClr xmlns:ahyp="http://schemas.microsoft.com/office/drawing/2018/hyperlinkcolor" val="tx"/>
-                    </a:ext>
-                  </a:extLst>
-                </a:hlinkClick>
-              </a:rPr>
-              <a:t>SLIDESGO</a:t>
-            </a:r>
-            <a:r>
-              <a:rPr lang="en" sz="1000">
-                <a:solidFill>
-                  <a:schemeClr val="lt1"/>
-                </a:solidFill>
-                <a:uFill>
-                  <a:noFill/>
-                </a:uFill>
-                <a:latin typeface="Roboto"/>
-                <a:ea typeface="Roboto"/>
-                <a:cs typeface="Roboto"/>
-                <a:sym typeface="Roboto"/>
-                <a:hlinkClick r:id="rId4">
-                  <a:extLst>
-                    <a:ext uri="{A12FA001-AC4F-418D-AE19-62706E023703}">
-                      <ahyp:hlinkClr xmlns:ahyp="http://schemas.microsoft.com/office/drawing/2018/hyperlinkcolor" val="tx"/>
-                    </a:ext>
-                  </a:extLst>
-                </a:hlinkClick>
-              </a:rPr>
-              <a:t> </a:t>
-            </a:r>
-            <a:r>
-              <a:rPr lang="en" sz="1000">
-                <a:solidFill>
-                  <a:schemeClr val="lt1"/>
-                </a:solidFill>
-                <a:latin typeface="Roboto"/>
-                <a:ea typeface="Roboto"/>
-                <a:cs typeface="Roboto"/>
-                <a:sym typeface="Roboto"/>
-              </a:rPr>
-              <a:t>| </a:t>
-            </a:r>
-            <a:r>
-              <a:rPr lang="en" sz="1000" u="sng">
-                <a:solidFill>
-                  <a:schemeClr val="lt1"/>
-                </a:solidFill>
-                <a:latin typeface="Roboto"/>
-                <a:ea typeface="Roboto"/>
-                <a:cs typeface="Roboto"/>
-                <a:sym typeface="Roboto"/>
-                <a:hlinkClick r:id="rId5">
-                  <a:extLst>
-                    <a:ext uri="{A12FA001-AC4F-418D-AE19-62706E023703}">
-                      <ahyp:hlinkClr xmlns:ahyp="http://schemas.microsoft.com/office/drawing/2018/hyperlinkcolor" val="tx"/>
-                    </a:ext>
-                  </a:extLst>
-                </a:hlinkClick>
-              </a:rPr>
-              <a:t>SLIDESGO SCHOOL</a:t>
-            </a:r>
-            <a:r>
-              <a:rPr lang="en" sz="1000">
-                <a:solidFill>
-                  <a:schemeClr val="lt1"/>
-                </a:solidFill>
-                <a:latin typeface="Roboto"/>
-                <a:ea typeface="Roboto"/>
-                <a:cs typeface="Roboto"/>
-                <a:sym typeface="Roboto"/>
-              </a:rPr>
-              <a:t> | </a:t>
-            </a:r>
-            <a:r>
-              <a:rPr lang="en" sz="1000" u="sng">
-                <a:solidFill>
-                  <a:schemeClr val="lt1"/>
-                </a:solidFill>
-                <a:latin typeface="Roboto"/>
-                <a:ea typeface="Roboto"/>
-                <a:cs typeface="Roboto"/>
-                <a:sym typeface="Roboto"/>
-                <a:hlinkClick r:id="rId6">
-                  <a:extLst>
-                    <a:ext uri="{A12FA001-AC4F-418D-AE19-62706E023703}">
-                      <ahyp:hlinkClr xmlns:ahyp="http://schemas.microsoft.com/office/drawing/2018/hyperlinkcolor" val="tx"/>
-                    </a:ext>
-                  </a:extLst>
-                </a:hlinkClick>
-              </a:rPr>
-              <a:t>FAQ</a:t>
-            </a:r>
-            <a:r>
-              <a:rPr lang="en" sz="1000" u="sng">
-                <a:solidFill>
-                  <a:schemeClr val="lt1"/>
-                </a:solidFill>
-                <a:latin typeface="Roboto"/>
-                <a:ea typeface="Roboto"/>
-                <a:cs typeface="Roboto"/>
-                <a:sym typeface="Roboto"/>
-              </a:rPr>
-              <a:t>s</a:t>
-            </a:r>
-            <a:endParaRPr sz="1000" u="sng">
-              <a:solidFill>
-                <a:schemeClr val="lt1"/>
-              </a:solidFill>
-              <a:latin typeface="Roboto"/>
-              <a:ea typeface="Roboto"/>
-              <a:cs typeface="Roboto"/>
-              <a:sym typeface="Roboto"/>
-            </a:endParaRPr>
-          </a:p>
-        </p:txBody>
-      </p:sp>
-      <p:sp>
-        <p:nvSpPr>
-          <p:cNvPr id="484" name="Google Shape;484;p63"/>
-          <p:cNvSpPr txBox="1"/>
-          <p:nvPr/>
-        </p:nvSpPr>
-        <p:spPr>
-          <a:xfrm>
-            <a:off x="4640925" y="3995400"/>
-            <a:ext cx="3349200" cy="461700"/>
-          </a:xfrm>
-          <a:prstGeom prst="rect">
-            <a:avLst/>
-          </a:prstGeom>
-          <a:noFill/>
-          <a:ln>
-            <a:noFill/>
-          </a:ln>
-        </p:spPr>
-        <p:txBody>
-          <a:bodyPr spcFirstLastPara="1" wrap="square" lIns="91425" tIns="91425" rIns="91425" bIns="91425" anchor="t" anchorCtr="0">
-            <a:noAutofit/>
-          </a:bodyPr>
-          <a:lstStyle/>
-          <a:p>
-            <a:pPr marL="0" lvl="0" indent="0" algn="ctr" rtl="0">
-              <a:spcBef>
-                <a:spcPts val="0"/>
-              </a:spcBef>
-              <a:spcAft>
-                <a:spcPts val="0"/>
-              </a:spcAft>
-              <a:buNone/>
-            </a:pPr>
-            <a:r>
-              <a:rPr lang="en" sz="800">
-                <a:solidFill>
-                  <a:schemeClr val="lt1"/>
-                </a:solidFill>
-                <a:latin typeface="Roboto"/>
-                <a:ea typeface="Roboto"/>
-                <a:cs typeface="Roboto"/>
-                <a:sym typeface="Roboto"/>
-              </a:rPr>
-              <a:t>You can visit our sister projects:</a:t>
-            </a:r>
-            <a:br>
-              <a:rPr lang="en" sz="800">
-                <a:solidFill>
-                  <a:schemeClr val="lt1"/>
-                </a:solidFill>
-                <a:latin typeface="Roboto"/>
-                <a:ea typeface="Roboto"/>
-                <a:cs typeface="Roboto"/>
-                <a:sym typeface="Roboto"/>
-              </a:rPr>
-            </a:br>
-            <a:r>
-              <a:rPr lang="en" sz="1000" u="sng">
-                <a:solidFill>
-                  <a:schemeClr val="lt1"/>
-                </a:solidFill>
-                <a:latin typeface="Roboto"/>
-                <a:ea typeface="Roboto"/>
-                <a:cs typeface="Roboto"/>
-                <a:sym typeface="Roboto"/>
-                <a:hlinkClick r:id="rId7">
-                  <a:extLst>
-                    <a:ext uri="{A12FA001-AC4F-418D-AE19-62706E023703}">
-                      <ahyp:hlinkClr xmlns:ahyp="http://schemas.microsoft.com/office/drawing/2018/hyperlinkcolor" val="tx"/>
-                    </a:ext>
-                  </a:extLst>
-                </a:hlinkClick>
-              </a:rPr>
-              <a:t>FREEPIK</a:t>
-            </a:r>
-            <a:r>
-              <a:rPr lang="en" sz="1000">
-                <a:solidFill>
-                  <a:schemeClr val="lt1"/>
-                </a:solidFill>
-                <a:latin typeface="Roboto"/>
-                <a:ea typeface="Roboto"/>
-                <a:cs typeface="Roboto"/>
-                <a:sym typeface="Roboto"/>
-              </a:rPr>
-              <a:t> | </a:t>
-            </a:r>
-            <a:r>
-              <a:rPr lang="en" sz="1000" u="sng">
-                <a:solidFill>
-                  <a:schemeClr val="lt1"/>
-                </a:solidFill>
-                <a:latin typeface="Roboto"/>
-                <a:ea typeface="Roboto"/>
-                <a:cs typeface="Roboto"/>
-                <a:sym typeface="Roboto"/>
-                <a:hlinkClick r:id="rId8">
-                  <a:extLst>
-                    <a:ext uri="{A12FA001-AC4F-418D-AE19-62706E023703}">
-                      <ahyp:hlinkClr xmlns:ahyp="http://schemas.microsoft.com/office/drawing/2018/hyperlinkcolor" val="tx"/>
-                    </a:ext>
-                  </a:extLst>
-                </a:hlinkClick>
-              </a:rPr>
-              <a:t>FLATICON</a:t>
-            </a:r>
-            <a:r>
-              <a:rPr lang="en" sz="1000">
-                <a:solidFill>
-                  <a:schemeClr val="lt1"/>
-                </a:solidFill>
-                <a:latin typeface="Roboto"/>
-                <a:ea typeface="Roboto"/>
-                <a:cs typeface="Roboto"/>
-                <a:sym typeface="Roboto"/>
-              </a:rPr>
-              <a:t> | </a:t>
-            </a:r>
-            <a:r>
-              <a:rPr lang="en" sz="1000" u="sng">
-                <a:solidFill>
-                  <a:schemeClr val="lt1"/>
-                </a:solidFill>
-                <a:latin typeface="Roboto"/>
-                <a:ea typeface="Roboto"/>
-                <a:cs typeface="Roboto"/>
-                <a:sym typeface="Roboto"/>
-                <a:hlinkClick r:id="rId9">
-                  <a:extLst>
-                    <a:ext uri="{A12FA001-AC4F-418D-AE19-62706E023703}">
-                      <ahyp:hlinkClr xmlns:ahyp="http://schemas.microsoft.com/office/drawing/2018/hyperlinkcolor" val="tx"/>
-                    </a:ext>
-                  </a:extLst>
-                </a:hlinkClick>
-              </a:rPr>
-              <a:t>STORYSET</a:t>
-            </a:r>
-            <a:r>
-              <a:rPr lang="en" sz="1000">
-                <a:solidFill>
-                  <a:schemeClr val="lt1"/>
-                </a:solidFill>
-                <a:latin typeface="Roboto"/>
-                <a:ea typeface="Roboto"/>
-                <a:cs typeface="Roboto"/>
-                <a:sym typeface="Roboto"/>
-              </a:rPr>
-              <a:t> | </a:t>
-            </a:r>
-            <a:r>
-              <a:rPr lang="en" sz="1000" u="sng">
-                <a:solidFill>
-                  <a:schemeClr val="lt1"/>
-                </a:solidFill>
-                <a:latin typeface="Roboto"/>
-                <a:ea typeface="Roboto"/>
-                <a:cs typeface="Roboto"/>
-                <a:sym typeface="Roboto"/>
-                <a:hlinkClick r:id="rId10">
-                  <a:extLst>
-                    <a:ext uri="{A12FA001-AC4F-418D-AE19-62706E023703}">
-                      <ahyp:hlinkClr xmlns:ahyp="http://schemas.microsoft.com/office/drawing/2018/hyperlinkcolor" val="tx"/>
-                    </a:ext>
-                  </a:extLst>
-                </a:hlinkClick>
-              </a:rPr>
-              <a:t>WEPIK</a:t>
-            </a:r>
-            <a:r>
-              <a:rPr lang="en" sz="1000">
-                <a:solidFill>
-                  <a:schemeClr val="lt1"/>
-                </a:solidFill>
-                <a:uFill>
-                  <a:noFill/>
-                </a:uFill>
-                <a:latin typeface="Roboto"/>
-                <a:ea typeface="Roboto"/>
-                <a:cs typeface="Roboto"/>
-                <a:sym typeface="Roboto"/>
-                <a:hlinkClick r:id="rId10">
-                  <a:extLst>
-                    <a:ext uri="{A12FA001-AC4F-418D-AE19-62706E023703}">
-                      <ahyp:hlinkClr xmlns:ahyp="http://schemas.microsoft.com/office/drawing/2018/hyperlinkcolor" val="tx"/>
-                    </a:ext>
-                  </a:extLst>
-                </a:hlinkClick>
-              </a:rPr>
-              <a:t> </a:t>
-            </a:r>
-            <a:r>
-              <a:rPr lang="en" sz="1000">
-                <a:solidFill>
-                  <a:schemeClr val="lt1"/>
-                </a:solidFill>
-                <a:latin typeface="Roboto"/>
-                <a:ea typeface="Roboto"/>
-                <a:cs typeface="Roboto"/>
-                <a:sym typeface="Roboto"/>
-              </a:rPr>
-              <a:t>| </a:t>
-            </a:r>
-            <a:r>
-              <a:rPr lang="en" sz="1000" u="sng">
-                <a:solidFill>
-                  <a:schemeClr val="lt1"/>
-                </a:solidFill>
-                <a:latin typeface="Roboto"/>
-                <a:ea typeface="Roboto"/>
-                <a:cs typeface="Roboto"/>
-                <a:sym typeface="Roboto"/>
-                <a:hlinkClick r:id="rId11">
-                  <a:extLst>
-                    <a:ext uri="{A12FA001-AC4F-418D-AE19-62706E023703}">
-                      <ahyp:hlinkClr xmlns:ahyp="http://schemas.microsoft.com/office/drawing/2018/hyperlinkcolor" val="tx"/>
-                    </a:ext>
-                  </a:extLst>
-                </a:hlinkClick>
-              </a:rPr>
-              <a:t>VIDEVO</a:t>
-            </a:r>
-            <a:endParaRPr sz="1000">
-              <a:solidFill>
-                <a:schemeClr val="lt1"/>
-              </a:solidFill>
-              <a:latin typeface="Roboto"/>
-              <a:ea typeface="Roboto"/>
-              <a:cs typeface="Roboto"/>
-              <a:sym typeface="Roboto"/>
-            </a:endParaRPr>
-          </a:p>
-          <a:p>
-            <a:pPr marL="0" lvl="0" indent="0" algn="ctr" rtl="0">
-              <a:spcBef>
-                <a:spcPts val="0"/>
-              </a:spcBef>
-              <a:spcAft>
-                <a:spcPts val="0"/>
-              </a:spcAft>
-              <a:buNone/>
-            </a:pPr>
-            <a:endParaRPr sz="1000">
-              <a:solidFill>
-                <a:schemeClr val="lt1"/>
-              </a:solidFill>
-              <a:latin typeface="Roboto"/>
-              <a:ea typeface="Roboto"/>
-              <a:cs typeface="Roboto"/>
-              <a:sym typeface="Roboto"/>
-            </a:endParaRPr>
-          </a:p>
-        </p:txBody>
-      </p:sp>
-    </p:spTree>
-  </p:cSld>
-  <p:clrMapOvr>
-    <a:masterClrMapping/>
-  </p:clrMapOvr>
-</p:sld>
-</file>
-
-<file path=ppt/slides/slide3.xml><?xml version="1.0" encoding="utf-8"?>
-<p:sld xmlns:a="http://schemas.openxmlformats.org/drawingml/2006/main" xmlns:r="http://schemas.openxmlformats.org/officeDocument/2006/relationships" xmlns:p="http://schemas.openxmlformats.org/presentationml/2006/main">
-  <p:cSld>
     <p:spTree>
       <p:nvGrpSpPr>
         <p:cNvPr id="1" name="Shape 488"/>
@@ -23198,7 +21000,7 @@
 </p:sld>
 </file>
 
-<file path=ppt/slides/slide4.xml><?xml version="1.0" encoding="utf-8"?>
+<file path=ppt/slides/slide3.xml><?xml version="1.0" encoding="utf-8"?>
 <p:sld xmlns:a="http://schemas.openxmlformats.org/drawingml/2006/main" xmlns:r="http://schemas.openxmlformats.org/officeDocument/2006/relationships" xmlns:p="http://schemas.openxmlformats.org/presentationml/2006/main">
   <p:cSld>
     <p:spTree>
@@ -23546,7 +21348,7 @@
 </p:sld>
 </file>
 
-<file path=ppt/slides/slide5.xml><?xml version="1.0" encoding="utf-8"?>
+<file path=ppt/slides/slide4.xml><?xml version="1.0" encoding="utf-8"?>
 <p:sld xmlns:a="http://schemas.openxmlformats.org/drawingml/2006/main" xmlns:r="http://schemas.openxmlformats.org/officeDocument/2006/relationships" xmlns:p="http://schemas.openxmlformats.org/presentationml/2006/main">
   <p:cSld>
     <p:spTree>
@@ -24948,7 +22750,7 @@
 </p:sld>
 </file>
 
-<file path=ppt/slides/slide6.xml><?xml version="1.0" encoding="utf-8"?>
+<file path=ppt/slides/slide5.xml><?xml version="1.0" encoding="utf-8"?>
 <p:sld xmlns:a="http://schemas.openxmlformats.org/drawingml/2006/main" xmlns:r="http://schemas.openxmlformats.org/officeDocument/2006/relationships" xmlns:p="http://schemas.openxmlformats.org/presentationml/2006/main">
   <p:cSld>
     <p:spTree>
@@ -25467,7 +23269,7 @@
 </p:sld>
 </file>
 
-<file path=ppt/slides/slide7.xml><?xml version="1.0" encoding="utf-8"?>
+<file path=ppt/slides/slide6.xml><?xml version="1.0" encoding="utf-8"?>
 <p:sld xmlns:a="http://schemas.openxmlformats.org/drawingml/2006/main" xmlns:r="http://schemas.openxmlformats.org/officeDocument/2006/relationships" xmlns:p="http://schemas.openxmlformats.org/presentationml/2006/main">
   <p:cSld>
     <p:spTree>
@@ -26182,7 +23984,7 @@
 </p:sld>
 </file>
 
-<file path=ppt/slides/slide8.xml><?xml version="1.0" encoding="utf-8"?>
+<file path=ppt/slides/slide7.xml><?xml version="1.0" encoding="utf-8"?>
 <p:sld xmlns:a="http://schemas.openxmlformats.org/drawingml/2006/main" xmlns:r="http://schemas.openxmlformats.org/officeDocument/2006/relationships" xmlns:p="http://schemas.openxmlformats.org/presentationml/2006/main">
   <p:cSld>
     <p:spTree>
@@ -26287,7 +24089,7 @@
 </p:sld>
 </file>
 
-<file path=ppt/slides/slide9.xml><?xml version="1.0" encoding="utf-8"?>
+<file path=ppt/slides/slide8.xml><?xml version="1.0" encoding="utf-8"?>
 <p:sld xmlns:a="http://schemas.openxmlformats.org/drawingml/2006/main" xmlns:r="http://schemas.openxmlformats.org/officeDocument/2006/relationships" xmlns:p="http://schemas.openxmlformats.org/presentationml/2006/main">
   <p:cSld>
     <p:spTree>
@@ -26388,6 +24190,120 @@
     <p:extLst>
       <p:ext uri="{BB962C8B-B14F-4D97-AF65-F5344CB8AC3E}">
         <p14:creationId xmlns:p14="http://schemas.microsoft.com/office/powerpoint/2010/main" val="1601191776"/>
+      </p:ext>
+    </p:extLst>
+  </p:cSld>
+  <p:clrMapOvr>
+    <a:masterClrMapping/>
+  </p:clrMapOvr>
+</p:sld>
+</file>
+
+<file path=ppt/slides/slide9.xml><?xml version="1.0" encoding="utf-8"?>
+<p:sld xmlns:a="http://schemas.openxmlformats.org/drawingml/2006/main" xmlns:r="http://schemas.openxmlformats.org/officeDocument/2006/relationships" xmlns:p="http://schemas.openxmlformats.org/presentationml/2006/main">
+  <p:cSld>
+    <p:spTree>
+      <p:nvGrpSpPr>
+        <p:cNvPr id="1" name="Shape 816"/>
+        <p:cNvGrpSpPr/>
+        <p:nvPr/>
+      </p:nvGrpSpPr>
+      <p:grpSpPr>
+        <a:xfrm>
+          <a:off x="0" y="0"/>
+          <a:ext cx="0" cy="0"/>
+          <a:chOff x="0" y="0"/>
+          <a:chExt cx="0" cy="0"/>
+        </a:xfrm>
+      </p:grpSpPr>
+      <p:sp>
+        <p:nvSpPr>
+          <p:cNvPr id="817" name="Google Shape;817;p76"/>
+          <p:cNvSpPr txBox="1">
+            <a:spLocks noGrp="1"/>
+          </p:cNvSpPr>
+          <p:nvPr>
+            <p:ph type="title"/>
+          </p:nvPr>
+        </p:nvSpPr>
+        <p:spPr>
+          <a:xfrm>
+            <a:off x="713250" y="539525"/>
+            <a:ext cx="7717500" cy="572700"/>
+          </a:xfrm>
+          <a:prstGeom prst="rect">
+            <a:avLst/>
+          </a:prstGeom>
+        </p:spPr>
+        <p:txBody>
+          <a:bodyPr spcFirstLastPara="1" wrap="square" lIns="91425" tIns="91425" rIns="91425" bIns="91425" anchor="ctr" anchorCtr="0">
+            <a:noAutofit/>
+          </a:bodyPr>
+          <a:lstStyle/>
+          <a:p>
+            <a:pPr marL="0" lvl="0" indent="0" algn="ctr" rtl="0">
+              <a:spcBef>
+                <a:spcPts val="0"/>
+              </a:spcBef>
+              <a:spcAft>
+                <a:spcPts val="0"/>
+              </a:spcAft>
+              <a:buNone/>
+            </a:pPr>
+            <a:r>
+              <a:rPr lang="en" dirty="0" err="1"/>
+              <a:t>Diagrama</a:t>
+            </a:r>
+            <a:r>
+              <a:rPr lang="en" dirty="0"/>
+              <a:t> </a:t>
+            </a:r>
+            <a:r>
+              <a:rPr lang="en" dirty="0" err="1"/>
+              <a:t>Relacional</a:t>
+            </a:r>
+            <a:r>
+              <a:rPr lang="en" dirty="0"/>
+              <a:t> (SGBD)</a:t>
+            </a:r>
+            <a:endParaRPr dirty="0"/>
+          </a:p>
+        </p:txBody>
+      </p:sp>
+      <p:pic>
+        <p:nvPicPr>
+          <p:cNvPr id="6" name="Imagem 5" descr="Uma imagem com diagrama, Esquema, Desenho técnico, file&#10;&#10;Descrição gerada automaticamente">
+            <a:extLst>
+              <a:ext uri="{FF2B5EF4-FFF2-40B4-BE49-F238E27FC236}">
+                <a16:creationId xmlns:a16="http://schemas.microsoft.com/office/drawing/2014/main" id="{D73F6CD7-82CE-D013-D910-E8EC5DB857DC}"/>
+              </a:ext>
+            </a:extLst>
+          </p:cNvPr>
+          <p:cNvPicPr>
+            <a:picLocks noChangeAspect="1"/>
+          </p:cNvPicPr>
+          <p:nvPr/>
+        </p:nvPicPr>
+        <p:blipFill>
+          <a:blip r:embed="rId3"/>
+          <a:stretch>
+            <a:fillRect/>
+          </a:stretch>
+        </p:blipFill>
+        <p:spPr>
+          <a:xfrm>
+            <a:off x="713249" y="1112225"/>
+            <a:ext cx="7717499" cy="3491750"/>
+          </a:xfrm>
+          <a:prstGeom prst="rect">
+            <a:avLst/>
+          </a:prstGeom>
+        </p:spPr>
+      </p:pic>
+    </p:spTree>
+    <p:extLst>
+      <p:ext uri="{BB962C8B-B14F-4D97-AF65-F5344CB8AC3E}">
+        <p14:creationId xmlns:p14="http://schemas.microsoft.com/office/powerpoint/2010/main" val="1659405289"/>
       </p:ext>
     </p:extLst>
   </p:cSld>

--- a/Apresentação.pptx
+++ b/Apresentação.pptx
@@ -17496,7 +17496,7 @@
             </a:pPr>
             <a:r>
               <a:rPr lang="pt-PT" dirty="0"/>
-              <a:t> Adição/alteração/eliminação de jogadores, treinadores, equipas e jogos</a:t>
+              <a:t>Adição/alteração/eliminação de jogadores, treinadores, equipas e jogos</a:t>
             </a:r>
           </a:p>
           <a:p>
